--- a/宣道詩/(宣道詩80)信靠順服.pptx
+++ b/宣道詩/(宣道詩80)信靠順服.pptx
@@ -312,7 +312,7 @@
             <a:fld id="{A390BB82-1436-414E-953E-AA268D099EB7}" type="datetimeFigureOut">
               <a:rPr lang="zh-TW" altLang="en-US" smtClean="0"/>
               <a:pPr/>
-              <a:t>2020/5/1</a:t>
+              <a:t>2020/8/8</a:t>
             </a:fld>
             <a:endParaRPr lang="zh-TW" altLang="en-US"/>
           </a:p>
@@ -479,7 +479,7 @@
             <a:fld id="{A390BB82-1436-414E-953E-AA268D099EB7}" type="datetimeFigureOut">
               <a:rPr lang="zh-TW" altLang="en-US" smtClean="0"/>
               <a:pPr/>
-              <a:t>2020/5/1</a:t>
+              <a:t>2020/8/8</a:t>
             </a:fld>
             <a:endParaRPr lang="zh-TW" altLang="en-US"/>
           </a:p>
@@ -656,7 +656,7 @@
             <a:fld id="{A390BB82-1436-414E-953E-AA268D099EB7}" type="datetimeFigureOut">
               <a:rPr lang="zh-TW" altLang="en-US" smtClean="0"/>
               <a:pPr/>
-              <a:t>2020/5/1</a:t>
+              <a:t>2020/8/8</a:t>
             </a:fld>
             <a:endParaRPr lang="zh-TW" altLang="en-US"/>
           </a:p>
@@ -823,7 +823,7 @@
             <a:fld id="{A390BB82-1436-414E-953E-AA268D099EB7}" type="datetimeFigureOut">
               <a:rPr lang="zh-TW" altLang="en-US" smtClean="0"/>
               <a:pPr/>
-              <a:t>2020/5/1</a:t>
+              <a:t>2020/8/8</a:t>
             </a:fld>
             <a:endParaRPr lang="zh-TW" altLang="en-US"/>
           </a:p>
@@ -1066,7 +1066,7 @@
             <a:fld id="{A390BB82-1436-414E-953E-AA268D099EB7}" type="datetimeFigureOut">
               <a:rPr lang="zh-TW" altLang="en-US" smtClean="0"/>
               <a:pPr/>
-              <a:t>2020/5/1</a:t>
+              <a:t>2020/8/8</a:t>
             </a:fld>
             <a:endParaRPr lang="zh-TW" altLang="en-US"/>
           </a:p>
@@ -1351,7 +1351,7 @@
             <a:fld id="{A390BB82-1436-414E-953E-AA268D099EB7}" type="datetimeFigureOut">
               <a:rPr lang="zh-TW" altLang="en-US" smtClean="0"/>
               <a:pPr/>
-              <a:t>2020/5/1</a:t>
+              <a:t>2020/8/8</a:t>
             </a:fld>
             <a:endParaRPr lang="zh-TW" altLang="en-US"/>
           </a:p>
@@ -1770,7 +1770,7 @@
             <a:fld id="{A390BB82-1436-414E-953E-AA268D099EB7}" type="datetimeFigureOut">
               <a:rPr lang="zh-TW" altLang="en-US" smtClean="0"/>
               <a:pPr/>
-              <a:t>2020/5/1</a:t>
+              <a:t>2020/8/8</a:t>
             </a:fld>
             <a:endParaRPr lang="zh-TW" altLang="en-US"/>
           </a:p>
@@ -1885,7 +1885,7 @@
             <a:fld id="{A390BB82-1436-414E-953E-AA268D099EB7}" type="datetimeFigureOut">
               <a:rPr lang="zh-TW" altLang="en-US" smtClean="0"/>
               <a:pPr/>
-              <a:t>2020/5/1</a:t>
+              <a:t>2020/8/8</a:t>
             </a:fld>
             <a:endParaRPr lang="zh-TW" altLang="en-US"/>
           </a:p>
@@ -1977,7 +1977,7 @@
             <a:fld id="{A390BB82-1436-414E-953E-AA268D099EB7}" type="datetimeFigureOut">
               <a:rPr lang="zh-TW" altLang="en-US" smtClean="0"/>
               <a:pPr/>
-              <a:t>2020/5/1</a:t>
+              <a:t>2020/8/8</a:t>
             </a:fld>
             <a:endParaRPr lang="zh-TW" altLang="en-US"/>
           </a:p>
@@ -2251,7 +2251,7 @@
             <a:fld id="{A390BB82-1436-414E-953E-AA268D099EB7}" type="datetimeFigureOut">
               <a:rPr lang="zh-TW" altLang="en-US" smtClean="0"/>
               <a:pPr/>
-              <a:t>2020/5/1</a:t>
+              <a:t>2020/8/8</a:t>
             </a:fld>
             <a:endParaRPr lang="zh-TW" altLang="en-US"/>
           </a:p>
@@ -2505,7 +2505,7 @@
             <a:fld id="{A390BB82-1436-414E-953E-AA268D099EB7}" type="datetimeFigureOut">
               <a:rPr lang="zh-TW" altLang="en-US" smtClean="0"/>
               <a:pPr/>
-              <a:t>2020/5/1</a:t>
+              <a:t>2020/8/8</a:t>
             </a:fld>
             <a:endParaRPr lang="zh-TW" altLang="en-US"/>
           </a:p>
@@ -2720,7 +2720,7 @@
             <a:fld id="{A390BB82-1436-414E-953E-AA268D099EB7}" type="datetimeFigureOut">
               <a:rPr lang="zh-TW" altLang="en-US" smtClean="0"/>
               <a:pPr/>
-              <a:t>2020/5/1</a:t>
+              <a:t>2020/8/8</a:t>
             </a:fld>
             <a:endParaRPr lang="zh-TW" altLang="en-US"/>
           </a:p>
@@ -3322,27 +3322,7 @@
                 <a:latin typeface="微軟正黑體" pitchFamily="34" charset="-120"/>
                 <a:ea typeface="微軟正黑體" pitchFamily="34" charset="-120"/>
               </a:rPr>
-              <a:t>信靠順</a:t>
-            </a:r>
-            <a:r>
-              <a:rPr lang="zh-CN" altLang="en-US" sz="5400" b="1" dirty="0">
-                <a:solidFill>
-                  <a:srgbClr val="660033"/>
-                </a:solidFill>
-                <a:latin typeface="微軟正黑體" pitchFamily="34" charset="-120"/>
-                <a:ea typeface="微軟正黑體" pitchFamily="34" charset="-120"/>
-              </a:rPr>
-              <a:t>服人主</a:t>
-            </a:r>
-            <a:r>
-              <a:rPr lang="zh-CN" altLang="en-US" sz="5400" b="1" dirty="0">
-                <a:solidFill>
-                  <a:srgbClr val="660033"/>
-                </a:solidFill>
-                <a:latin typeface="微軟正黑體" pitchFamily="34" charset="-120"/>
-                <a:ea typeface="微軟正黑體" pitchFamily="34" charset="-120"/>
-              </a:rPr>
-              <a:t>肯同行</a:t>
+              <a:t>信靠順服人主肯同行</a:t>
             </a:r>
             <a:endParaRPr lang="zh-TW" altLang="en-US" sz="5400" b="1" dirty="0">
               <a:solidFill>
@@ -4845,17 +4825,7 @@
                 <a:latin typeface="微軟正黑體" pitchFamily="34" charset="-120"/>
                 <a:ea typeface="微軟正黑體" pitchFamily="34" charset="-120"/>
               </a:rPr>
-              <a:t>差</a:t>
-            </a:r>
-            <a:r>
-              <a:rPr lang="zh-CN" altLang="en-US" sz="5400" b="1" dirty="0">
-                <a:solidFill>
-                  <a:srgbClr val="660033"/>
-                </a:solidFill>
-                <a:latin typeface="微軟正黑體" pitchFamily="34" charset="-120"/>
-                <a:ea typeface="微軟正黑體" pitchFamily="34" charset="-120"/>
-              </a:rPr>
-              <a:t>遣我就行</a:t>
+              <a:t>差遣我就行</a:t>
             </a:r>
             <a:endParaRPr lang="en-US" altLang="zh-CN" sz="5400" b="1" dirty="0">
               <a:solidFill>

--- a/宣道詩/(宣道詩80)信靠順服.pptx
+++ b/宣道詩/(宣道詩80)信靠順服.pptx
@@ -5,14 +5,19 @@
     <p:sldMasterId id="2147483690" r:id="rId1"/>
   </p:sldMasterIdLst>
   <p:sldIdLst>
-    <p:sldId id="256" r:id="rId2"/>
-    <p:sldId id="268" r:id="rId3"/>
-    <p:sldId id="269" r:id="rId4"/>
-    <p:sldId id="270" r:id="rId5"/>
-    <p:sldId id="271" r:id="rId6"/>
-    <p:sldId id="272" r:id="rId7"/>
-    <p:sldId id="273" r:id="rId8"/>
-    <p:sldId id="274" r:id="rId9"/>
+    <p:sldId id="275" r:id="rId2"/>
+    <p:sldId id="276" r:id="rId3"/>
+    <p:sldId id="277" r:id="rId4"/>
+    <p:sldId id="278" r:id="rId5"/>
+    <p:sldId id="279" r:id="rId6"/>
+    <p:sldId id="280" r:id="rId7"/>
+    <p:sldId id="281" r:id="rId8"/>
+    <p:sldId id="282" r:id="rId9"/>
+    <p:sldId id="283" r:id="rId10"/>
+    <p:sldId id="284" r:id="rId11"/>
+    <p:sldId id="285" r:id="rId12"/>
+    <p:sldId id="286" r:id="rId13"/>
+    <p:sldId id="287" r:id="rId14"/>
   </p:sldIdLst>
   <p:sldSz cx="12192000" cy="6858000"/>
   <p:notesSz cx="6858000" cy="9144000"/>
@@ -312,7 +317,7 @@
             <a:fld id="{A390BB82-1436-414E-953E-AA268D099EB7}" type="datetimeFigureOut">
               <a:rPr lang="zh-TW" altLang="en-US" smtClean="0"/>
               <a:pPr/>
-              <a:t>2020/8/8</a:t>
+              <a:t>2021/3/6</a:t>
             </a:fld>
             <a:endParaRPr lang="zh-TW" altLang="en-US"/>
           </a:p>
@@ -479,7 +484,7 @@
             <a:fld id="{A390BB82-1436-414E-953E-AA268D099EB7}" type="datetimeFigureOut">
               <a:rPr lang="zh-TW" altLang="en-US" smtClean="0"/>
               <a:pPr/>
-              <a:t>2020/8/8</a:t>
+              <a:t>2021/3/6</a:t>
             </a:fld>
             <a:endParaRPr lang="zh-TW" altLang="en-US"/>
           </a:p>
@@ -656,7 +661,7 @@
             <a:fld id="{A390BB82-1436-414E-953E-AA268D099EB7}" type="datetimeFigureOut">
               <a:rPr lang="zh-TW" altLang="en-US" smtClean="0"/>
               <a:pPr/>
-              <a:t>2020/8/8</a:t>
+              <a:t>2021/3/6</a:t>
             </a:fld>
             <a:endParaRPr lang="zh-TW" altLang="en-US"/>
           </a:p>
@@ -823,7 +828,7 @@
             <a:fld id="{A390BB82-1436-414E-953E-AA268D099EB7}" type="datetimeFigureOut">
               <a:rPr lang="zh-TW" altLang="en-US" smtClean="0"/>
               <a:pPr/>
-              <a:t>2020/8/8</a:t>
+              <a:t>2021/3/6</a:t>
             </a:fld>
             <a:endParaRPr lang="zh-TW" altLang="en-US"/>
           </a:p>
@@ -1066,7 +1071,7 @@
             <a:fld id="{A390BB82-1436-414E-953E-AA268D099EB7}" type="datetimeFigureOut">
               <a:rPr lang="zh-TW" altLang="en-US" smtClean="0"/>
               <a:pPr/>
-              <a:t>2020/8/8</a:t>
+              <a:t>2021/3/6</a:t>
             </a:fld>
             <a:endParaRPr lang="zh-TW" altLang="en-US"/>
           </a:p>
@@ -1351,7 +1356,7 @@
             <a:fld id="{A390BB82-1436-414E-953E-AA268D099EB7}" type="datetimeFigureOut">
               <a:rPr lang="zh-TW" altLang="en-US" smtClean="0"/>
               <a:pPr/>
-              <a:t>2020/8/8</a:t>
+              <a:t>2021/3/6</a:t>
             </a:fld>
             <a:endParaRPr lang="zh-TW" altLang="en-US"/>
           </a:p>
@@ -1770,7 +1775,7 @@
             <a:fld id="{A390BB82-1436-414E-953E-AA268D099EB7}" type="datetimeFigureOut">
               <a:rPr lang="zh-TW" altLang="en-US" smtClean="0"/>
               <a:pPr/>
-              <a:t>2020/8/8</a:t>
+              <a:t>2021/3/6</a:t>
             </a:fld>
             <a:endParaRPr lang="zh-TW" altLang="en-US"/>
           </a:p>
@@ -1885,7 +1890,7 @@
             <a:fld id="{A390BB82-1436-414E-953E-AA268D099EB7}" type="datetimeFigureOut">
               <a:rPr lang="zh-TW" altLang="en-US" smtClean="0"/>
               <a:pPr/>
-              <a:t>2020/8/8</a:t>
+              <a:t>2021/3/6</a:t>
             </a:fld>
             <a:endParaRPr lang="zh-TW" altLang="en-US"/>
           </a:p>
@@ -1977,7 +1982,7 @@
             <a:fld id="{A390BB82-1436-414E-953E-AA268D099EB7}" type="datetimeFigureOut">
               <a:rPr lang="zh-TW" altLang="en-US" smtClean="0"/>
               <a:pPr/>
-              <a:t>2020/8/8</a:t>
+              <a:t>2021/3/6</a:t>
             </a:fld>
             <a:endParaRPr lang="zh-TW" altLang="en-US"/>
           </a:p>
@@ -2251,7 +2256,7 @@
             <a:fld id="{A390BB82-1436-414E-953E-AA268D099EB7}" type="datetimeFigureOut">
               <a:rPr lang="zh-TW" altLang="en-US" smtClean="0"/>
               <a:pPr/>
-              <a:t>2020/8/8</a:t>
+              <a:t>2021/3/6</a:t>
             </a:fld>
             <a:endParaRPr lang="zh-TW" altLang="en-US"/>
           </a:p>
@@ -2505,7 +2510,7 @@
             <a:fld id="{A390BB82-1436-414E-953E-AA268D099EB7}" type="datetimeFigureOut">
               <a:rPr lang="zh-TW" altLang="en-US" smtClean="0"/>
               <a:pPr/>
-              <a:t>2020/8/8</a:t>
+              <a:t>2021/3/6</a:t>
             </a:fld>
             <a:endParaRPr lang="zh-TW" altLang="en-US"/>
           </a:p>
@@ -2720,7 +2725,7 @@
             <a:fld id="{A390BB82-1436-414E-953E-AA268D099EB7}" type="datetimeFigureOut">
               <a:rPr lang="zh-TW" altLang="en-US" smtClean="0"/>
               <a:pPr/>
-              <a:t>2020/8/8</a:t>
+              <a:t>2021/3/6</a:t>
             </a:fld>
             <a:endParaRPr lang="zh-TW" altLang="en-US"/>
           </a:p>
@@ -3103,18 +3108,198 @@
         </p:nvSpPr>
         <p:spPr>
           <a:xfrm>
-            <a:off x="0" y="274638"/>
+            <a:off x="0" y="2756925"/>
             <a:ext cx="12192000" cy="1143000"/>
           </a:xfrm>
         </p:spPr>
         <p:txBody>
           <a:bodyPr>
+            <a:noAutofit/>
+          </a:bodyPr>
+          <a:lstStyle/>
+          <a:p>
+            <a:r>
+              <a:rPr lang="zh-CN" altLang="en-US" sz="5333" b="1" u="sng" dirty="0">
+                <a:solidFill>
+                  <a:srgbClr val="000066"/>
+                </a:solidFill>
+                <a:effectLst>
+                  <a:outerShdw blurRad="38100" dist="38100" dir="2700000" algn="tl">
+                    <a:srgbClr val="000000">
+                      <a:alpha val="43137"/>
+                    </a:srgbClr>
+                  </a:outerShdw>
+                </a:effectLst>
+                <a:latin typeface="微軟正黑體" pitchFamily="34" charset="-120"/>
+                <a:ea typeface="微軟正黑體" pitchFamily="34" charset="-120"/>
+              </a:rPr>
+              <a:t>宣道詩 </a:t>
+            </a:r>
+            <a:r>
+              <a:rPr lang="en-US" altLang="zh-CN" sz="5333" b="1" u="sng" dirty="0">
+                <a:solidFill>
+                  <a:srgbClr val="000066"/>
+                </a:solidFill>
+                <a:effectLst>
+                  <a:outerShdw blurRad="38100" dist="38100" dir="2700000" algn="tl">
+                    <a:srgbClr val="000000">
+                      <a:alpha val="43137"/>
+                    </a:srgbClr>
+                  </a:outerShdw>
+                </a:effectLst>
+                <a:latin typeface="微軟正黑體" pitchFamily="34" charset="-120"/>
+                <a:ea typeface="微軟正黑體" pitchFamily="34" charset="-120"/>
+              </a:rPr>
+              <a:t>80</a:t>
+            </a:r>
+            <a:r>
+              <a:rPr lang="en-US" altLang="zh-CN" sz="7200" b="1" i="1" dirty="0">
+                <a:solidFill>
+                  <a:srgbClr val="660033"/>
+                </a:solidFill>
+                <a:effectLst>
+                  <a:outerShdw blurRad="38100" dist="38100" dir="2700000" algn="tl">
+                    <a:srgbClr val="000000">
+                      <a:alpha val="43137"/>
+                    </a:srgbClr>
+                  </a:outerShdw>
+                </a:effectLst>
+                <a:latin typeface="微軟正黑體" pitchFamily="34" charset="-120"/>
+                <a:ea typeface="微軟正黑體" pitchFamily="34" charset="-120"/>
+              </a:rPr>
+              <a:t/>
+            </a:r>
+            <a:br>
+              <a:rPr lang="en-US" altLang="zh-CN" sz="7200" b="1" i="1" dirty="0">
+                <a:solidFill>
+                  <a:srgbClr val="660033"/>
+                </a:solidFill>
+                <a:effectLst>
+                  <a:outerShdw blurRad="38100" dist="38100" dir="2700000" algn="tl">
+                    <a:srgbClr val="000000">
+                      <a:alpha val="43137"/>
+                    </a:srgbClr>
+                  </a:outerShdw>
+                </a:effectLst>
+                <a:latin typeface="微軟正黑體" pitchFamily="34" charset="-120"/>
+                <a:ea typeface="微軟正黑體" pitchFamily="34" charset="-120"/>
+              </a:rPr>
+            </a:br>
+            <a:r>
+              <a:rPr lang="zh-CN" altLang="en-US" sz="8000" b="1" dirty="0">
+                <a:solidFill>
+                  <a:srgbClr val="660033"/>
+                </a:solidFill>
+                <a:effectLst>
+                  <a:outerShdw blurRad="38100" dist="38100" dir="2700000" algn="tl">
+                    <a:srgbClr val="000000">
+                      <a:alpha val="43137"/>
+                    </a:srgbClr>
+                  </a:outerShdw>
+                </a:effectLst>
+                <a:latin typeface="微軟正黑體" pitchFamily="34" charset="-120"/>
+                <a:ea typeface="微軟正黑體" pitchFamily="34" charset="-120"/>
+              </a:rPr>
+              <a:t>信</a:t>
+            </a:r>
+            <a:r>
+              <a:rPr lang="zh-CN" altLang="en-US" sz="8000" b="1" dirty="0">
+                <a:solidFill>
+                  <a:srgbClr val="660033"/>
+                </a:solidFill>
+                <a:effectLst>
+                  <a:outerShdw blurRad="38100" dist="38100" dir="2700000" algn="tl">
+                    <a:srgbClr val="000000">
+                      <a:alpha val="43137"/>
+                    </a:srgbClr>
+                  </a:outerShdw>
+                </a:effectLst>
+                <a:latin typeface="微軟正黑體" pitchFamily="34" charset="-120"/>
+                <a:ea typeface="微軟正黑體" pitchFamily="34" charset="-120"/>
+              </a:rPr>
+              <a:t>靠順服</a:t>
+            </a:r>
+            <a:endParaRPr lang="zh-TW" altLang="en-US" sz="8000" b="1" dirty="0">
+              <a:solidFill>
+                <a:srgbClr val="660033"/>
+              </a:solidFill>
+              <a:effectLst>
+                <a:outerShdw blurRad="38100" dist="38100" dir="2700000" algn="tl">
+                  <a:srgbClr val="000000">
+                    <a:alpha val="43137"/>
+                  </a:srgbClr>
+                </a:outerShdw>
+              </a:effectLst>
+              <a:latin typeface="微軟正黑體" pitchFamily="34" charset="-120"/>
+              <a:ea typeface="微軟正黑體" pitchFamily="34" charset="-120"/>
+            </a:endParaRPr>
+          </a:p>
+        </p:txBody>
+      </p:sp>
+    </p:spTree>
+    <p:extLst>
+      <p:ext uri="{BB962C8B-B14F-4D97-AF65-F5344CB8AC3E}">
+        <p14:creationId xmlns:p14="http://schemas.microsoft.com/office/powerpoint/2010/main" val="3670894458"/>
+      </p:ext>
+    </p:extLst>
+  </p:cSld>
+  <p:clrMapOvr>
+    <a:masterClrMapping/>
+  </p:clrMapOvr>
+  <p:timing>
+    <p:tnLst>
+      <p:par>
+        <p:cTn id="1" dur="indefinite" restart="never" nodeType="tmRoot"/>
+      </p:par>
+    </p:tnLst>
+  </p:timing>
+</p:sld>
+</file>
+
+<file path=ppt/slides/slide10.xml><?xml version="1.0" encoding="utf-8"?>
+<p:sld xmlns:a="http://schemas.openxmlformats.org/drawingml/2006/main" xmlns:r="http://schemas.openxmlformats.org/officeDocument/2006/relationships" xmlns:p="http://schemas.openxmlformats.org/presentationml/2006/main">
+  <p:cSld>
+    <p:spTree>
+      <p:nvGrpSpPr>
+        <p:cNvPr id="1" name=""/>
+        <p:cNvGrpSpPr/>
+        <p:nvPr/>
+      </p:nvGrpSpPr>
+      <p:grpSpPr>
+        <a:xfrm>
+          <a:off x="0" y="0"/>
+          <a:ext cx="0" cy="0"/>
+          <a:chOff x="0" y="0"/>
+          <a:chExt cx="0" cy="0"/>
+        </a:xfrm>
+      </p:grpSpPr>
+      <p:sp>
+        <p:nvSpPr>
+          <p:cNvPr id="5" name="內容版面配置區 4"/>
+          <p:cNvSpPr>
+            <a:spLocks noGrp="1"/>
+          </p:cNvSpPr>
+          <p:nvPr>
+            <p:ph idx="1"/>
+          </p:nvPr>
+        </p:nvSpPr>
+        <p:spPr>
+          <a:xfrm>
+            <a:off x="0" y="2084853"/>
+            <a:ext cx="12192000" cy="2404863"/>
+          </a:xfrm>
+        </p:spPr>
+        <p:txBody>
+          <a:bodyPr anchor="ctr">
             <a:normAutofit/>
           </a:bodyPr>
           <a:lstStyle/>
           <a:p>
-            <a:r>
-              <a:rPr lang="zh-CN" altLang="en-US" sz="4800" b="1" dirty="0" smtClean="0">
+            <a:pPr algn="ctr">
+              <a:buNone/>
+            </a:pPr>
+            <a:r>
+              <a:rPr lang="zh-CN" altLang="en-US" sz="6400" b="1" dirty="0">
                 <a:solidFill>
                   <a:srgbClr val="660033"/>
                 </a:solidFill>
@@ -3123,7 +3308,27 @@
               </a:rPr>
               <a:t>信靠順服</a:t>
             </a:r>
-            <a:endParaRPr lang="zh-TW" altLang="en-US" sz="4800" b="1" dirty="0">
+            <a:r>
+              <a:rPr lang="en-US" altLang="zh-CN" sz="6400" b="1" dirty="0">
+                <a:solidFill>
+                  <a:srgbClr val="660033"/>
+                </a:solidFill>
+                <a:latin typeface="微軟正黑體" pitchFamily="34" charset="-120"/>
+                <a:ea typeface="微軟正黑體" pitchFamily="34" charset="-120"/>
+              </a:rPr>
+              <a:t>  </a:t>
+            </a:r>
+            <a:r>
+              <a:rPr lang="zh-CN" altLang="en-US" sz="6400" b="1" dirty="0">
+                <a:solidFill>
+                  <a:srgbClr val="660033"/>
+                </a:solidFill>
+                <a:latin typeface="微軟正黑體" pitchFamily="34" charset="-120"/>
+                <a:ea typeface="微軟正黑體" pitchFamily="34" charset="-120"/>
+              </a:rPr>
+              <a:t>以外並無別法</a:t>
+            </a:r>
+            <a:endParaRPr lang="en-US" altLang="zh-CN" sz="6400" b="1" dirty="0">
               <a:solidFill>
                 <a:srgbClr val="660033"/>
               </a:solidFill>
@@ -3131,55 +3336,22 @@
               <a:ea typeface="微軟正黑體" pitchFamily="34" charset="-120"/>
             </a:endParaRPr>
           </a:p>
-        </p:txBody>
-      </p:sp>
-      <p:sp>
-        <p:nvSpPr>
-          <p:cNvPr id="5" name="內容版面配置區 4"/>
-          <p:cNvSpPr>
-            <a:spLocks noGrp="1"/>
-          </p:cNvSpPr>
-          <p:nvPr>
-            <p:ph idx="1"/>
-          </p:nvPr>
-        </p:nvSpPr>
-        <p:spPr>
-          <a:xfrm>
-            <a:off x="0" y="1844824"/>
-            <a:ext cx="12192000" cy="5013176"/>
-          </a:xfrm>
-        </p:spPr>
-        <p:txBody>
-          <a:bodyPr>
-            <a:normAutofit/>
-          </a:bodyPr>
-          <a:lstStyle/>
           <a:p>
             <a:pPr algn="ctr">
               <a:buNone/>
             </a:pPr>
             <a:r>
-              <a:rPr lang="zh-CN" altLang="en-US" sz="5400" b="1" dirty="0">
-                <a:solidFill>
-                  <a:srgbClr val="660033"/>
-                </a:solidFill>
-                <a:latin typeface="微軟正黑體" pitchFamily="34" charset="-120"/>
-                <a:ea typeface="微軟正黑體" pitchFamily="34" charset="-120"/>
-              </a:rPr>
-              <a:t>我與救主同</a:t>
-            </a:r>
-            <a:r>
-              <a:rPr lang="zh-CN" altLang="en-US" sz="5400" b="1" dirty="0" smtClean="0">
-                <a:solidFill>
-                  <a:srgbClr val="660033"/>
-                </a:solidFill>
-                <a:latin typeface="微軟正黑體" pitchFamily="34" charset="-120"/>
-                <a:ea typeface="微軟正黑體" pitchFamily="34" charset="-120"/>
-              </a:rPr>
-              <a:t>行</a:t>
-            </a:r>
-            <a:r>
-              <a:rPr lang="en-US" altLang="zh-CN" sz="5400" b="1" dirty="0" smtClean="0">
+              <a:rPr lang="zh-CN" altLang="en-US" sz="6400" b="1" dirty="0">
+                <a:solidFill>
+                  <a:srgbClr val="660033"/>
+                </a:solidFill>
+                <a:latin typeface="微軟正黑體" pitchFamily="34" charset="-120"/>
+                <a:ea typeface="微軟正黑體" pitchFamily="34" charset="-120"/>
+              </a:rPr>
+              <a:t>若要得耶穌喜樂</a:t>
+            </a:r>
+            <a:r>
+              <a:rPr lang="en-US" altLang="zh-CN" sz="6400" b="1" dirty="0">
                 <a:solidFill>
                   <a:srgbClr val="660033"/>
                 </a:solidFill>
@@ -3189,26 +3361,16 @@
               <a:t>  </a:t>
             </a:r>
             <a:r>
-              <a:rPr lang="zh-CN" altLang="en-US" sz="5400" b="1" dirty="0" smtClean="0">
-                <a:solidFill>
-                  <a:srgbClr val="660033"/>
-                </a:solidFill>
-                <a:latin typeface="微軟正黑體" pitchFamily="34" charset="-120"/>
-                <a:ea typeface="微軟正黑體" pitchFamily="34" charset="-120"/>
-              </a:rPr>
-              <a:t>在</a:t>
-            </a:r>
-            <a:r>
-              <a:rPr lang="zh-CN" altLang="en-US" sz="5400" b="1" dirty="0">
-                <a:solidFill>
-                  <a:srgbClr val="660033"/>
-                </a:solidFill>
-                <a:latin typeface="微軟正黑體" pitchFamily="34" charset="-120"/>
-                <a:ea typeface="微軟正黑體" pitchFamily="34" charset="-120"/>
-              </a:rPr>
-              <a:t>主光明福音</a:t>
-            </a:r>
-            <a:endParaRPr lang="en-US" altLang="zh-CN" sz="5400" b="1" dirty="0">
+              <a:rPr lang="zh-CN" altLang="en-US" sz="6400" b="1" dirty="0">
+                <a:solidFill>
+                  <a:srgbClr val="660033"/>
+                </a:solidFill>
+                <a:latin typeface="微軟正黑體" pitchFamily="34" charset="-120"/>
+                <a:ea typeface="微軟正黑體" pitchFamily="34" charset="-120"/>
+              </a:rPr>
+              <a:t>必要信靠順服</a:t>
+            </a:r>
+            <a:endParaRPr lang="en-US" altLang="zh-CN" sz="6400" b="1" dirty="0">
               <a:solidFill>
                 <a:srgbClr val="660033"/>
               </a:solidFill>
@@ -3216,31 +3378,101 @@
               <a:ea typeface="微軟正黑體" pitchFamily="34" charset="-120"/>
             </a:endParaRPr>
           </a:p>
+        </p:txBody>
+      </p:sp>
+    </p:spTree>
+    <p:extLst>
+      <p:ext uri="{BB962C8B-B14F-4D97-AF65-F5344CB8AC3E}">
+        <p14:creationId xmlns:p14="http://schemas.microsoft.com/office/powerpoint/2010/main" val="4284783001"/>
+      </p:ext>
+    </p:extLst>
+  </p:cSld>
+  <p:clrMapOvr>
+    <a:masterClrMapping/>
+  </p:clrMapOvr>
+  <p:timing>
+    <p:tnLst>
+      <p:par>
+        <p:cTn id="1" dur="indefinite" restart="never" nodeType="tmRoot"/>
+      </p:par>
+    </p:tnLst>
+  </p:timing>
+</p:sld>
+</file>
+
+<file path=ppt/slides/slide11.xml><?xml version="1.0" encoding="utf-8"?>
+<p:sld xmlns:a="http://schemas.openxmlformats.org/drawingml/2006/main" xmlns:r="http://schemas.openxmlformats.org/officeDocument/2006/relationships" xmlns:p="http://schemas.openxmlformats.org/presentationml/2006/main">
+  <p:cSld>
+    <p:spTree>
+      <p:nvGrpSpPr>
+        <p:cNvPr id="1" name=""/>
+        <p:cNvGrpSpPr/>
+        <p:nvPr/>
+      </p:nvGrpSpPr>
+      <p:grpSpPr>
+        <a:xfrm>
+          <a:off x="0" y="0"/>
+          <a:ext cx="0" cy="0"/>
+          <a:chOff x="0" y="0"/>
+          <a:chExt cx="0" cy="0"/>
+        </a:xfrm>
+      </p:grpSpPr>
+      <p:sp>
+        <p:nvSpPr>
+          <p:cNvPr id="5" name="內容版面配置區 4"/>
+          <p:cNvSpPr>
+            <a:spLocks noGrp="1"/>
+          </p:cNvSpPr>
+          <p:nvPr>
+            <p:ph idx="1"/>
+          </p:nvPr>
+        </p:nvSpPr>
+        <p:spPr>
+          <a:xfrm>
+            <a:off x="0" y="2084853"/>
+            <a:ext cx="12192000" cy="2404863"/>
+          </a:xfrm>
+        </p:spPr>
+        <p:txBody>
+          <a:bodyPr anchor="ctr">
+            <a:normAutofit/>
+          </a:bodyPr>
+          <a:lstStyle/>
           <a:p>
             <a:pPr algn="ctr">
               <a:buNone/>
             </a:pPr>
             <a:r>
-              <a:rPr lang="zh-CN" altLang="en-US" sz="5400" b="1" dirty="0">
-                <a:solidFill>
-                  <a:srgbClr val="660033"/>
-                </a:solidFill>
-                <a:latin typeface="微軟正黑體" pitchFamily="34" charset="-120"/>
-                <a:ea typeface="微軟正黑體" pitchFamily="34" charset="-120"/>
-              </a:rPr>
-              <a:t>何等榮耀照亮我路</a:t>
-            </a:r>
-            <a:r>
-              <a:rPr lang="zh-CN" altLang="en-US" sz="5400" b="1" dirty="0" smtClean="0">
-                <a:solidFill>
-                  <a:srgbClr val="660033"/>
-                </a:solidFill>
-                <a:latin typeface="微軟正黑體" pitchFamily="34" charset="-120"/>
-                <a:ea typeface="微軟正黑體" pitchFamily="34" charset="-120"/>
-              </a:rPr>
-              <a:t>程</a:t>
-            </a:r>
-            <a:endParaRPr lang="en-US" altLang="zh-CN" sz="5400" b="1" dirty="0" smtClean="0">
+              <a:rPr lang="zh-CN" altLang="en-US" sz="6400" b="1" dirty="0">
+                <a:solidFill>
+                  <a:srgbClr val="660033"/>
+                </a:solidFill>
+                <a:latin typeface="微軟正黑體" pitchFamily="34" charset="-120"/>
+                <a:ea typeface="微軟正黑體" pitchFamily="34" charset="-120"/>
+              </a:rPr>
+              <a:t>主與我做朋友</a:t>
+            </a:r>
+            <a:r>
+              <a:rPr lang="en-US" altLang="zh-CN" sz="6400" b="1" dirty="0">
+                <a:solidFill>
+                  <a:srgbClr val="660033"/>
+                </a:solidFill>
+                <a:latin typeface="微軟正黑體" pitchFamily="34" charset="-120"/>
+                <a:ea typeface="微軟正黑體" pitchFamily="34" charset="-120"/>
+              </a:rPr>
+              <a:t>  </a:t>
+            </a:r>
+            <a:r>
+              <a:rPr lang="zh-CN" altLang="en-US" sz="6400" b="1" dirty="0">
+                <a:solidFill>
+                  <a:srgbClr val="660033"/>
+                </a:solidFill>
+                <a:latin typeface="微軟正黑體" pitchFamily="34" charset="-120"/>
+                <a:ea typeface="微軟正黑體" pitchFamily="34" charset="-120"/>
+              </a:rPr>
+              <a:t>我可常向主求</a:t>
+            </a:r>
+            <a:endParaRPr lang="en-US" altLang="zh-CN" sz="6400" b="1" dirty="0">
               <a:solidFill>
                 <a:srgbClr val="660033"/>
               </a:solidFill>
@@ -3253,56 +3485,16 @@
               <a:buNone/>
             </a:pPr>
             <a:r>
-              <a:rPr lang="zh-CN" altLang="en-US" sz="5400" b="1" dirty="0">
-                <a:solidFill>
-                  <a:srgbClr val="660033"/>
-                </a:solidFill>
-                <a:latin typeface="微軟正黑體" pitchFamily="34" charset="-120"/>
-                <a:ea typeface="微軟正黑體" pitchFamily="34" charset="-120"/>
-              </a:rPr>
-              <a:t>只要聽主命</a:t>
-            </a:r>
-            <a:r>
-              <a:rPr lang="zh-CN" altLang="en-US" sz="5400" b="1" dirty="0" smtClean="0">
-                <a:solidFill>
-                  <a:srgbClr val="660033"/>
-                </a:solidFill>
-                <a:latin typeface="微軟正黑體" pitchFamily="34" charset="-120"/>
-                <a:ea typeface="微軟正黑體" pitchFamily="34" charset="-120"/>
-              </a:rPr>
-              <a:t>令</a:t>
-            </a:r>
-            <a:r>
-              <a:rPr lang="en-US" altLang="zh-CN" sz="5400" b="1" dirty="0" smtClean="0">
-                <a:solidFill>
-                  <a:srgbClr val="660033"/>
-                </a:solidFill>
-                <a:latin typeface="微軟正黑體" pitchFamily="34" charset="-120"/>
-                <a:ea typeface="微軟正黑體" pitchFamily="34" charset="-120"/>
-              </a:rPr>
-              <a:t>  </a:t>
-            </a:r>
-            <a:r>
-              <a:rPr lang="zh-CN" altLang="en-US" sz="5400" b="1" dirty="0" smtClean="0">
-                <a:solidFill>
-                  <a:srgbClr val="660033"/>
-                </a:solidFill>
-                <a:latin typeface="微軟正黑體" pitchFamily="34" charset="-120"/>
-                <a:ea typeface="微軟正黑體" pitchFamily="34" charset="-120"/>
-              </a:rPr>
-              <a:t>主</a:t>
-            </a:r>
-            <a:r>
-              <a:rPr lang="zh-CN" altLang="en-US" sz="5400" b="1" dirty="0">
-                <a:solidFill>
-                  <a:srgbClr val="660033"/>
-                </a:solidFill>
-                <a:latin typeface="微軟正黑體" pitchFamily="34" charset="-120"/>
-                <a:ea typeface="微軟正黑體" pitchFamily="34" charset="-120"/>
-              </a:rPr>
-              <a:t>肯與我同行</a:t>
-            </a:r>
-            <a:endParaRPr lang="en-US" altLang="zh-CN" sz="5400" b="1" dirty="0">
+              <a:rPr lang="zh-CN" altLang="en-US" sz="6400" b="1" dirty="0">
+                <a:solidFill>
+                  <a:srgbClr val="660033"/>
+                </a:solidFill>
+                <a:latin typeface="微軟正黑體" pitchFamily="34" charset="-120"/>
+                <a:ea typeface="微軟正黑體" pitchFamily="34" charset="-120"/>
+              </a:rPr>
+              <a:t>救主攜我手一路同走</a:t>
+            </a:r>
+            <a:endParaRPr lang="en-US" altLang="zh-CN" sz="6400" b="1" dirty="0">
               <a:solidFill>
                 <a:srgbClr val="660033"/>
               </a:solidFill>
@@ -3310,21 +3502,136 @@
               <a:ea typeface="微軟正黑體" pitchFamily="34" charset="-120"/>
             </a:endParaRPr>
           </a:p>
+        </p:txBody>
+      </p:sp>
+      <p:sp>
+        <p:nvSpPr>
+          <p:cNvPr id="3" name="TextBox 2"/>
+          <p:cNvSpPr txBox="1"/>
+          <p:nvPr/>
+        </p:nvSpPr>
+        <p:spPr>
+          <a:xfrm>
+            <a:off x="0" y="5253205"/>
+            <a:ext cx="12192000" cy="830997"/>
+          </a:xfrm>
+          <a:prstGeom prst="rect">
+            <a:avLst/>
+          </a:prstGeom>
+          <a:noFill/>
+        </p:spPr>
+        <p:txBody>
+          <a:bodyPr wrap="square" rtlCol="0">
+            <a:spAutoFit/>
+          </a:bodyPr>
+          <a:lstStyle/>
+          <a:p>
+            <a:pPr algn="ctr"/>
+            <a:r>
+              <a:rPr lang="en-US" sz="4800" b="1" dirty="0">
+                <a:solidFill>
+                  <a:srgbClr val="660033"/>
+                </a:solidFill>
+              </a:rPr>
+              <a:t>( </a:t>
+            </a:r>
+            <a:r>
+              <a:rPr lang="en-US" sz="4800" b="1" dirty="0">
+                <a:solidFill>
+                  <a:srgbClr val="660033"/>
+                </a:solidFill>
+              </a:rPr>
+              <a:t>4 </a:t>
+            </a:r>
+            <a:r>
+              <a:rPr lang="en-US" sz="4800" b="1" dirty="0">
+                <a:solidFill>
+                  <a:srgbClr val="660033"/>
+                </a:solidFill>
+              </a:rPr>
+              <a:t>)</a:t>
+            </a:r>
+            <a:endParaRPr lang="vi-VN" sz="4800" b="1" dirty="0">
+              <a:solidFill>
+                <a:srgbClr val="660033"/>
+              </a:solidFill>
+            </a:endParaRPr>
+          </a:p>
+        </p:txBody>
+      </p:sp>
+    </p:spTree>
+    <p:extLst>
+      <p:ext uri="{BB962C8B-B14F-4D97-AF65-F5344CB8AC3E}">
+        <p14:creationId xmlns:p14="http://schemas.microsoft.com/office/powerpoint/2010/main" val="1778551893"/>
+      </p:ext>
+    </p:extLst>
+  </p:cSld>
+  <p:clrMapOvr>
+    <a:masterClrMapping/>
+  </p:clrMapOvr>
+  <p:timing>
+    <p:tnLst>
+      <p:par>
+        <p:cTn id="1" dur="indefinite" restart="never" nodeType="tmRoot"/>
+      </p:par>
+    </p:tnLst>
+  </p:timing>
+</p:sld>
+</file>
+
+<file path=ppt/slides/slide12.xml><?xml version="1.0" encoding="utf-8"?>
+<p:sld xmlns:a="http://schemas.openxmlformats.org/drawingml/2006/main" xmlns:r="http://schemas.openxmlformats.org/officeDocument/2006/relationships" xmlns:p="http://schemas.openxmlformats.org/presentationml/2006/main">
+  <p:cSld>
+    <p:spTree>
+      <p:nvGrpSpPr>
+        <p:cNvPr id="1" name=""/>
+        <p:cNvGrpSpPr/>
+        <p:nvPr/>
+      </p:nvGrpSpPr>
+      <p:grpSpPr>
+        <a:xfrm>
+          <a:off x="0" y="0"/>
+          <a:ext cx="0" cy="0"/>
+          <a:chOff x="0" y="0"/>
+          <a:chExt cx="0" cy="0"/>
+        </a:xfrm>
+      </p:grpSpPr>
+      <p:sp>
+        <p:nvSpPr>
+          <p:cNvPr id="5" name="內容版面配置區 4"/>
+          <p:cNvSpPr>
+            <a:spLocks noGrp="1"/>
+          </p:cNvSpPr>
+          <p:nvPr>
+            <p:ph idx="1"/>
+          </p:nvPr>
+        </p:nvSpPr>
+        <p:spPr>
+          <a:xfrm>
+            <a:off x="0" y="2084853"/>
+            <a:ext cx="12192000" cy="2404863"/>
+          </a:xfrm>
+        </p:spPr>
+        <p:txBody>
+          <a:bodyPr anchor="ctr">
+            <a:normAutofit/>
+          </a:bodyPr>
+          <a:lstStyle/>
           <a:p>
             <a:pPr algn="ctr">
               <a:buNone/>
             </a:pPr>
             <a:r>
-              <a:rPr lang="zh-CN" altLang="en-US" sz="5400" b="1" dirty="0">
-                <a:solidFill>
-                  <a:srgbClr val="660033"/>
-                </a:solidFill>
-                <a:latin typeface="微軟正黑體" pitchFamily="34" charset="-120"/>
-                <a:ea typeface="微軟正黑體" pitchFamily="34" charset="-120"/>
-              </a:rPr>
-              <a:t>信靠順服人主肯同行</a:t>
-            </a:r>
-            <a:endParaRPr lang="zh-TW" altLang="en-US" sz="5400" b="1" dirty="0">
+              <a:rPr lang="zh-CN" altLang="en-US" sz="6400" b="1" dirty="0">
+                <a:solidFill>
+                  <a:srgbClr val="660033"/>
+                </a:solidFill>
+                <a:latin typeface="微軟正黑體" pitchFamily="34" charset="-120"/>
+                <a:ea typeface="微軟正黑體" pitchFamily="34" charset="-120"/>
+              </a:rPr>
+              <a:t>主吩咐我就遵  主差遣我就行</a:t>
+            </a:r>
+            <a:endParaRPr lang="en-US" altLang="zh-CN" sz="6400" b="1" dirty="0">
               <a:solidFill>
                 <a:srgbClr val="660033"/>
               </a:solidFill>
@@ -3336,7 +3643,17 @@
             <a:pPr algn="ctr">
               <a:buNone/>
             </a:pPr>
-            <a:endParaRPr lang="zh-TW" altLang="en-US" sz="5400" b="1" dirty="0">
+            <a:r>
+              <a:rPr lang="zh-CN" altLang="en-US" sz="6400" b="1" dirty="0">
+                <a:solidFill>
+                  <a:srgbClr val="660033"/>
+                </a:solidFill>
+                <a:latin typeface="微軟正黑體" pitchFamily="34" charset="-120"/>
+                <a:ea typeface="微軟正黑體" pitchFamily="34" charset="-120"/>
+              </a:rPr>
+              <a:t>信靠順服人終必成就</a:t>
+            </a:r>
+            <a:endParaRPr lang="zh-TW" altLang="en-US" sz="6400" b="1" dirty="0">
               <a:solidFill>
                 <a:srgbClr val="660033"/>
               </a:solidFill>
@@ -3348,14 +3665,14 @@
       </p:sp>
       <p:sp>
         <p:nvSpPr>
-          <p:cNvPr id="2" name="TextBox 1"/>
+          <p:cNvPr id="3" name="TextBox 2"/>
           <p:cNvSpPr txBox="1"/>
           <p:nvPr/>
         </p:nvSpPr>
         <p:spPr>
           <a:xfrm>
-            <a:off x="695400" y="1988840"/>
-            <a:ext cx="792088" cy="769441"/>
+            <a:off x="0" y="5253205"/>
+            <a:ext cx="12192000" cy="830997"/>
           </a:xfrm>
           <a:prstGeom prst="rect">
             <a:avLst/>
@@ -3368,17 +3685,132 @@
           </a:bodyPr>
           <a:lstStyle/>
           <a:p>
-            <a:r>
-              <a:rPr lang="en-US" sz="4400" b="1" dirty="0">
-                <a:solidFill>
-                  <a:srgbClr val="660033"/>
-                </a:solidFill>
-                <a:latin typeface="微軟正黑體" pitchFamily="34" charset="-120"/>
-                <a:ea typeface="微軟正黑體" pitchFamily="34" charset="-120"/>
-              </a:rPr>
-              <a:t>1.</a:t>
-            </a:r>
-            <a:endParaRPr lang="vi-VN" sz="4400" b="1" dirty="0">
+            <a:pPr algn="ctr"/>
+            <a:r>
+              <a:rPr lang="en-US" sz="4800" b="1" dirty="0">
+                <a:solidFill>
+                  <a:srgbClr val="660033"/>
+                </a:solidFill>
+              </a:rPr>
+              <a:t>( </a:t>
+            </a:r>
+            <a:r>
+              <a:rPr lang="en-US" sz="4800" b="1" dirty="0">
+                <a:solidFill>
+                  <a:srgbClr val="660033"/>
+                </a:solidFill>
+              </a:rPr>
+              <a:t>4 </a:t>
+            </a:r>
+            <a:r>
+              <a:rPr lang="en-US" sz="4800" b="1" dirty="0">
+                <a:solidFill>
+                  <a:srgbClr val="660033"/>
+                </a:solidFill>
+              </a:rPr>
+              <a:t>)</a:t>
+            </a:r>
+            <a:endParaRPr lang="vi-VN" sz="4800" b="1" dirty="0">
+              <a:solidFill>
+                <a:srgbClr val="660033"/>
+              </a:solidFill>
+            </a:endParaRPr>
+          </a:p>
+        </p:txBody>
+      </p:sp>
+    </p:spTree>
+    <p:extLst>
+      <p:ext uri="{BB962C8B-B14F-4D97-AF65-F5344CB8AC3E}">
+        <p14:creationId xmlns:p14="http://schemas.microsoft.com/office/powerpoint/2010/main" val="1622512217"/>
+      </p:ext>
+    </p:extLst>
+  </p:cSld>
+  <p:clrMapOvr>
+    <a:masterClrMapping/>
+  </p:clrMapOvr>
+  <p:timing>
+    <p:tnLst>
+      <p:par>
+        <p:cTn id="1" dur="indefinite" restart="never" nodeType="tmRoot"/>
+      </p:par>
+    </p:tnLst>
+  </p:timing>
+</p:sld>
+</file>
+
+<file path=ppt/slides/slide13.xml><?xml version="1.0" encoding="utf-8"?>
+<p:sld xmlns:a="http://schemas.openxmlformats.org/drawingml/2006/main" xmlns:r="http://schemas.openxmlformats.org/officeDocument/2006/relationships" xmlns:p="http://schemas.openxmlformats.org/presentationml/2006/main">
+  <p:cSld>
+    <p:spTree>
+      <p:nvGrpSpPr>
+        <p:cNvPr id="1" name=""/>
+        <p:cNvGrpSpPr/>
+        <p:nvPr/>
+      </p:nvGrpSpPr>
+      <p:grpSpPr>
+        <a:xfrm>
+          <a:off x="0" y="0"/>
+          <a:ext cx="0" cy="0"/>
+          <a:chOff x="0" y="0"/>
+          <a:chExt cx="0" cy="0"/>
+        </a:xfrm>
+      </p:grpSpPr>
+      <p:sp>
+        <p:nvSpPr>
+          <p:cNvPr id="5" name="內容版面配置區 4"/>
+          <p:cNvSpPr>
+            <a:spLocks noGrp="1"/>
+          </p:cNvSpPr>
+          <p:nvPr>
+            <p:ph idx="1"/>
+          </p:nvPr>
+        </p:nvSpPr>
+        <p:spPr>
+          <a:xfrm>
+            <a:off x="0" y="2084853"/>
+            <a:ext cx="12192000" cy="2404863"/>
+          </a:xfrm>
+        </p:spPr>
+        <p:txBody>
+          <a:bodyPr anchor="ctr">
+            <a:normAutofit/>
+          </a:bodyPr>
+          <a:lstStyle/>
+          <a:p>
+            <a:pPr algn="ctr">
+              <a:buNone/>
+            </a:pPr>
+            <a:r>
+              <a:rPr lang="zh-CN" altLang="en-US" sz="6400" b="1" dirty="0">
+                <a:solidFill>
+                  <a:srgbClr val="660033"/>
+                </a:solidFill>
+                <a:latin typeface="微軟正黑體" pitchFamily="34" charset="-120"/>
+                <a:ea typeface="微軟正黑體" pitchFamily="34" charset="-120"/>
+              </a:rPr>
+              <a:t>信靠順服</a:t>
+            </a:r>
+            <a:r>
+              <a:rPr lang="en-US" altLang="zh-CN" sz="6400" b="1" dirty="0">
+                <a:solidFill>
+                  <a:srgbClr val="660033"/>
+                </a:solidFill>
+                <a:latin typeface="微軟正黑體" pitchFamily="34" charset="-120"/>
+                <a:ea typeface="微軟正黑體" pitchFamily="34" charset="-120"/>
+              </a:rPr>
+              <a:t>  </a:t>
+            </a:r>
+            <a:r>
+              <a:rPr lang="zh-CN" altLang="en-US" sz="6400" b="1" dirty="0">
+                <a:solidFill>
+                  <a:srgbClr val="660033"/>
+                </a:solidFill>
+                <a:latin typeface="微軟正黑體" pitchFamily="34" charset="-120"/>
+                <a:ea typeface="微軟正黑體" pitchFamily="34" charset="-120"/>
+              </a:rPr>
+              <a:t>以外並無別法</a:t>
+            </a:r>
+            <a:endParaRPr lang="en-US" altLang="zh-CN" sz="6400" b="1" dirty="0">
               <a:solidFill>
                 <a:srgbClr val="660033"/>
               </a:solidFill>
@@ -3386,13 +3818,67 @@
               <a:ea typeface="微軟正黑體" pitchFamily="34" charset="-120"/>
             </a:endParaRPr>
           </a:p>
+          <a:p>
+            <a:pPr algn="ctr">
+              <a:buNone/>
+            </a:pPr>
+            <a:r>
+              <a:rPr lang="zh-CN" altLang="en-US" sz="6400" b="1" dirty="0">
+                <a:solidFill>
+                  <a:srgbClr val="660033"/>
+                </a:solidFill>
+                <a:latin typeface="微軟正黑體" pitchFamily="34" charset="-120"/>
+                <a:ea typeface="微軟正黑體" pitchFamily="34" charset="-120"/>
+              </a:rPr>
+              <a:t>若要得耶穌喜樂</a:t>
+            </a:r>
+            <a:r>
+              <a:rPr lang="en-US" altLang="zh-CN" sz="6400" b="1" dirty="0">
+                <a:solidFill>
+                  <a:srgbClr val="660033"/>
+                </a:solidFill>
+                <a:latin typeface="微軟正黑體" pitchFamily="34" charset="-120"/>
+                <a:ea typeface="微軟正黑體" pitchFamily="34" charset="-120"/>
+              </a:rPr>
+              <a:t>  </a:t>
+            </a:r>
+            <a:r>
+              <a:rPr lang="zh-CN" altLang="en-US" sz="6400" b="1" dirty="0">
+                <a:solidFill>
+                  <a:srgbClr val="660033"/>
+                </a:solidFill>
+                <a:latin typeface="微軟正黑體" pitchFamily="34" charset="-120"/>
+                <a:ea typeface="微軟正黑體" pitchFamily="34" charset="-120"/>
+              </a:rPr>
+              <a:t>必要信靠順服</a:t>
+            </a:r>
+            <a:endParaRPr lang="en-US" altLang="zh-CN" sz="6400" b="1" dirty="0">
+              <a:solidFill>
+                <a:srgbClr val="660033"/>
+              </a:solidFill>
+              <a:latin typeface="微軟正黑體" pitchFamily="34" charset="-120"/>
+              <a:ea typeface="微軟正黑體" pitchFamily="34" charset="-120"/>
+            </a:endParaRPr>
+          </a:p>
         </p:txBody>
       </p:sp>
     </p:spTree>
+    <p:extLst>
+      <p:ext uri="{BB962C8B-B14F-4D97-AF65-F5344CB8AC3E}">
+        <p14:creationId xmlns:p14="http://schemas.microsoft.com/office/powerpoint/2010/main" val="2457511578"/>
+      </p:ext>
+    </p:extLst>
   </p:cSld>
   <p:clrMapOvr>
     <a:masterClrMapping/>
   </p:clrMapOvr>
+  <p:timing>
+    <p:tnLst>
+      <p:par>
+        <p:cTn id="1" dur="indefinite" restart="never" nodeType="tmRoot"/>
+      </p:par>
+    </p:tnLst>
+  </p:timing>
 </p:sld>
 </file>
 
@@ -3415,37 +3901,60 @@
       </p:grpSpPr>
       <p:sp>
         <p:nvSpPr>
-          <p:cNvPr id="4" name="標題 3"/>
-          <p:cNvSpPr>
-            <a:spLocks noGrp="1"/>
-          </p:cNvSpPr>
-          <p:nvPr>
-            <p:ph type="title"/>
+          <p:cNvPr id="5" name="內容版面配置區 4"/>
+          <p:cNvSpPr>
+            <a:spLocks noGrp="1"/>
+          </p:cNvSpPr>
+          <p:nvPr>
+            <p:ph idx="1"/>
           </p:nvPr>
         </p:nvSpPr>
         <p:spPr>
           <a:xfrm>
-            <a:off x="0" y="274638"/>
-            <a:ext cx="12192000" cy="1143000"/>
+            <a:off x="0" y="2084853"/>
+            <a:ext cx="12192000" cy="2404863"/>
           </a:xfrm>
         </p:spPr>
         <p:txBody>
-          <a:bodyPr>
+          <a:bodyPr anchor="ctr">
             <a:normAutofit/>
           </a:bodyPr>
           <a:lstStyle/>
           <a:p>
-            <a:r>
-              <a:rPr lang="zh-CN" altLang="en-US" sz="4800" b="1" dirty="0" smtClean="0">
-                <a:solidFill>
-                  <a:srgbClr val="660033"/>
-                </a:solidFill>
-                <a:latin typeface="微軟正黑體" pitchFamily="34" charset="-120"/>
-                <a:ea typeface="微軟正黑體" pitchFamily="34" charset="-120"/>
-              </a:rPr>
-              <a:t>信靠順服</a:t>
-            </a:r>
-            <a:endParaRPr lang="zh-TW" altLang="en-US" sz="4800" b="1" dirty="0">
+            <a:pPr algn="ctr">
+              <a:buNone/>
+            </a:pPr>
+            <a:r>
+              <a:rPr lang="zh-CN" altLang="en-US" sz="6400" b="1" dirty="0">
+                <a:solidFill>
+                  <a:srgbClr val="660033"/>
+                </a:solidFill>
+                <a:latin typeface="微軟正黑體" pitchFamily="34" charset="-120"/>
+                <a:ea typeface="微軟正黑體" pitchFamily="34" charset="-120"/>
+              </a:rPr>
+              <a:t>我與救主同行</a:t>
+            </a:r>
+            <a:r>
+              <a:rPr lang="en-US" altLang="zh-CN" sz="6400" b="1" dirty="0">
+                <a:solidFill>
+                  <a:srgbClr val="660033"/>
+                </a:solidFill>
+                <a:latin typeface="微軟正黑體" pitchFamily="34" charset="-120"/>
+                <a:ea typeface="微軟正黑體" pitchFamily="34" charset="-120"/>
+              </a:rPr>
+              <a:t>  </a:t>
+            </a:r>
+            <a:r>
+              <a:rPr lang="zh-CN" altLang="en-US" sz="6400" b="1" dirty="0">
+                <a:solidFill>
+                  <a:srgbClr val="660033"/>
+                </a:solidFill>
+                <a:latin typeface="微軟正黑體" pitchFamily="34" charset="-120"/>
+                <a:ea typeface="微軟正黑體" pitchFamily="34" charset="-120"/>
+              </a:rPr>
+              <a:t>在主光明福音</a:t>
+            </a:r>
+            <a:endParaRPr lang="en-US" altLang="zh-CN" sz="6400" b="1" dirty="0">
               <a:solidFill>
                 <a:srgbClr val="660033"/>
               </a:solidFill>
@@ -3453,44 +3962,21 @@
               <a:ea typeface="微軟正黑體" pitchFamily="34" charset="-120"/>
             </a:endParaRPr>
           </a:p>
-        </p:txBody>
-      </p:sp>
-      <p:sp>
-        <p:nvSpPr>
-          <p:cNvPr id="5" name="內容版面配置區 4"/>
-          <p:cNvSpPr>
-            <a:spLocks noGrp="1"/>
-          </p:cNvSpPr>
-          <p:nvPr>
-            <p:ph idx="1"/>
-          </p:nvPr>
-        </p:nvSpPr>
-        <p:spPr>
-          <a:xfrm>
-            <a:off x="0" y="1844824"/>
-            <a:ext cx="12192000" cy="5013176"/>
-          </a:xfrm>
-        </p:spPr>
-        <p:txBody>
-          <a:bodyPr>
-            <a:normAutofit/>
-          </a:bodyPr>
-          <a:lstStyle/>
           <a:p>
             <a:pPr algn="ctr">
               <a:buNone/>
             </a:pPr>
             <a:r>
-              <a:rPr lang="zh-CN" altLang="en-US" sz="5400" b="1" dirty="0">
-                <a:solidFill>
-                  <a:srgbClr val="660033"/>
-                </a:solidFill>
-                <a:latin typeface="微軟正黑體" pitchFamily="34" charset="-120"/>
-                <a:ea typeface="微軟正黑體" pitchFamily="34" charset="-120"/>
-              </a:rPr>
-              <a:t>信靠順服</a:t>
-            </a:r>
-            <a:endParaRPr lang="en-US" altLang="zh-CN" sz="5400" b="1" dirty="0">
+              <a:rPr lang="zh-CN" altLang="en-US" sz="6400" b="1" dirty="0">
+                <a:solidFill>
+                  <a:srgbClr val="660033"/>
+                </a:solidFill>
+                <a:latin typeface="微軟正黑體" pitchFamily="34" charset="-120"/>
+                <a:ea typeface="微軟正黑體" pitchFamily="34" charset="-120"/>
+              </a:rPr>
+              <a:t>何等榮耀照亮我路程</a:t>
+            </a:r>
+            <a:endParaRPr lang="en-US" altLang="zh-CN" sz="6400" b="1" dirty="0">
               <a:solidFill>
                 <a:srgbClr val="660033"/>
               </a:solidFill>
@@ -3498,70 +3984,43 @@
               <a:ea typeface="微軟正黑體" pitchFamily="34" charset="-120"/>
             </a:endParaRPr>
           </a:p>
-          <a:p>
-            <a:pPr algn="ctr">
-              <a:buNone/>
-            </a:pPr>
-            <a:r>
-              <a:rPr lang="zh-CN" altLang="en-US" sz="5400" b="1" dirty="0">
-                <a:solidFill>
-                  <a:srgbClr val="660033"/>
-                </a:solidFill>
-                <a:latin typeface="微軟正黑體" pitchFamily="34" charset="-120"/>
-                <a:ea typeface="微軟正黑體" pitchFamily="34" charset="-120"/>
-              </a:rPr>
-              <a:t>以外並無別法</a:t>
-            </a:r>
-            <a:endParaRPr lang="en-US" altLang="zh-CN" sz="5400" b="1" dirty="0">
+        </p:txBody>
+      </p:sp>
+      <p:sp>
+        <p:nvSpPr>
+          <p:cNvPr id="3" name="TextBox 2"/>
+          <p:cNvSpPr txBox="1"/>
+          <p:nvPr/>
+        </p:nvSpPr>
+        <p:spPr>
+          <a:xfrm>
+            <a:off x="0" y="5253205"/>
+            <a:ext cx="12192000" cy="830997"/>
+          </a:xfrm>
+          <a:prstGeom prst="rect">
+            <a:avLst/>
+          </a:prstGeom>
+          <a:noFill/>
+        </p:spPr>
+        <p:txBody>
+          <a:bodyPr wrap="square" rtlCol="0">
+            <a:spAutoFit/>
+          </a:bodyPr>
+          <a:lstStyle/>
+          <a:p>
+            <a:pPr algn="ctr"/>
+            <a:r>
+              <a:rPr lang="en-US" sz="4800" b="1" dirty="0">
+                <a:solidFill>
+                  <a:srgbClr val="660033"/>
+                </a:solidFill>
+              </a:rPr>
+              <a:t>( 1 )</a:t>
+            </a:r>
+            <a:endParaRPr lang="vi-VN" sz="4800" b="1" dirty="0">
               <a:solidFill>
                 <a:srgbClr val="660033"/>
               </a:solidFill>
-              <a:latin typeface="微軟正黑體" pitchFamily="34" charset="-120"/>
-              <a:ea typeface="微軟正黑體" pitchFamily="34" charset="-120"/>
-            </a:endParaRPr>
-          </a:p>
-          <a:p>
-            <a:pPr algn="ctr">
-              <a:buNone/>
-            </a:pPr>
-            <a:r>
-              <a:rPr lang="zh-CN" altLang="en-US" sz="5400" b="1" dirty="0">
-                <a:solidFill>
-                  <a:srgbClr val="660033"/>
-                </a:solidFill>
-                <a:latin typeface="微軟正黑體" pitchFamily="34" charset="-120"/>
-                <a:ea typeface="微軟正黑體" pitchFamily="34" charset="-120"/>
-              </a:rPr>
-              <a:t>若要得耶穌喜樂</a:t>
-            </a:r>
-            <a:endParaRPr lang="en-US" altLang="zh-CN" sz="5400" b="1" dirty="0">
-              <a:solidFill>
-                <a:srgbClr val="660033"/>
-              </a:solidFill>
-              <a:latin typeface="微軟正黑體" pitchFamily="34" charset="-120"/>
-              <a:ea typeface="微軟正黑體" pitchFamily="34" charset="-120"/>
-            </a:endParaRPr>
-          </a:p>
-          <a:p>
-            <a:pPr algn="ctr">
-              <a:buNone/>
-            </a:pPr>
-            <a:r>
-              <a:rPr lang="zh-CN" altLang="en-US" sz="5400" b="1" dirty="0">
-                <a:solidFill>
-                  <a:srgbClr val="660033"/>
-                </a:solidFill>
-                <a:latin typeface="微軟正黑體" pitchFamily="34" charset="-120"/>
-                <a:ea typeface="微軟正黑體" pitchFamily="34" charset="-120"/>
-              </a:rPr>
-              <a:t>必要信靠順服</a:t>
-            </a:r>
-            <a:endParaRPr lang="en-US" altLang="zh-CN" sz="5400" b="1" dirty="0">
-              <a:solidFill>
-                <a:srgbClr val="660033"/>
-              </a:solidFill>
-              <a:latin typeface="微軟正黑體" pitchFamily="34" charset="-120"/>
-              <a:ea typeface="微軟正黑體" pitchFamily="34" charset="-120"/>
             </a:endParaRPr>
           </a:p>
         </p:txBody>
@@ -3569,13 +4028,20 @@
     </p:spTree>
     <p:extLst>
       <p:ext uri="{BB962C8B-B14F-4D97-AF65-F5344CB8AC3E}">
-        <p14:creationId xmlns:p14="http://schemas.microsoft.com/office/powerpoint/2010/main" val="1497301528"/>
+        <p14:creationId xmlns:p14="http://schemas.microsoft.com/office/powerpoint/2010/main" val="281500313"/>
       </p:ext>
     </p:extLst>
   </p:cSld>
   <p:clrMapOvr>
     <a:masterClrMapping/>
   </p:clrMapOvr>
+  <p:timing>
+    <p:tnLst>
+      <p:par>
+        <p:cTn id="1" dur="indefinite" restart="never" nodeType="tmRoot"/>
+      </p:par>
+    </p:tnLst>
+  </p:timing>
 </p:sld>
 </file>
 
@@ -3598,37 +4064,60 @@
       </p:grpSpPr>
       <p:sp>
         <p:nvSpPr>
-          <p:cNvPr id="4" name="標題 3"/>
-          <p:cNvSpPr>
-            <a:spLocks noGrp="1"/>
-          </p:cNvSpPr>
-          <p:nvPr>
-            <p:ph type="title"/>
+          <p:cNvPr id="5" name="內容版面配置區 4"/>
+          <p:cNvSpPr>
+            <a:spLocks noGrp="1"/>
+          </p:cNvSpPr>
+          <p:nvPr>
+            <p:ph idx="1"/>
           </p:nvPr>
         </p:nvSpPr>
         <p:spPr>
           <a:xfrm>
-            <a:off x="0" y="274638"/>
-            <a:ext cx="12192000" cy="1143000"/>
+            <a:off x="0" y="2084853"/>
+            <a:ext cx="12192000" cy="2404863"/>
           </a:xfrm>
         </p:spPr>
         <p:txBody>
-          <a:bodyPr>
+          <a:bodyPr anchor="ctr">
             <a:normAutofit/>
           </a:bodyPr>
           <a:lstStyle/>
           <a:p>
-            <a:r>
-              <a:rPr lang="zh-CN" altLang="en-US" sz="4800" b="1" dirty="0" smtClean="0">
-                <a:solidFill>
-                  <a:srgbClr val="660033"/>
-                </a:solidFill>
-                <a:latin typeface="微軟正黑體" pitchFamily="34" charset="-120"/>
-                <a:ea typeface="微軟正黑體" pitchFamily="34" charset="-120"/>
-              </a:rPr>
-              <a:t>信靠順服</a:t>
-            </a:r>
-            <a:endParaRPr lang="zh-TW" altLang="en-US" sz="4800" b="1" dirty="0">
+            <a:pPr algn="ctr">
+              <a:buNone/>
+            </a:pPr>
+            <a:r>
+              <a:rPr lang="zh-CN" altLang="en-US" sz="6400" b="1" dirty="0">
+                <a:solidFill>
+                  <a:srgbClr val="660033"/>
+                </a:solidFill>
+                <a:latin typeface="微軟正黑體" pitchFamily="34" charset="-120"/>
+                <a:ea typeface="微軟正黑體" pitchFamily="34" charset="-120"/>
+              </a:rPr>
+              <a:t>只要聽主命令</a:t>
+            </a:r>
+            <a:r>
+              <a:rPr lang="en-US" altLang="zh-CN" sz="6400" b="1" dirty="0">
+                <a:solidFill>
+                  <a:srgbClr val="660033"/>
+                </a:solidFill>
+                <a:latin typeface="微軟正黑體" pitchFamily="34" charset="-120"/>
+                <a:ea typeface="微軟正黑體" pitchFamily="34" charset="-120"/>
+              </a:rPr>
+              <a:t>  </a:t>
+            </a:r>
+            <a:r>
+              <a:rPr lang="zh-CN" altLang="en-US" sz="6400" b="1" dirty="0">
+                <a:solidFill>
+                  <a:srgbClr val="660033"/>
+                </a:solidFill>
+                <a:latin typeface="微軟正黑體" pitchFamily="34" charset="-120"/>
+                <a:ea typeface="微軟正黑體" pitchFamily="34" charset="-120"/>
+              </a:rPr>
+              <a:t>主肯與我同行</a:t>
+            </a:r>
+            <a:endParaRPr lang="en-US" altLang="zh-CN" sz="6400" b="1" dirty="0">
               <a:solidFill>
                 <a:srgbClr val="660033"/>
               </a:solidFill>
@@ -3636,84 +4125,21 @@
               <a:ea typeface="微軟正黑體" pitchFamily="34" charset="-120"/>
             </a:endParaRPr>
           </a:p>
-        </p:txBody>
-      </p:sp>
-      <p:sp>
-        <p:nvSpPr>
-          <p:cNvPr id="5" name="內容版面配置區 4"/>
-          <p:cNvSpPr>
-            <a:spLocks noGrp="1"/>
-          </p:cNvSpPr>
-          <p:nvPr>
-            <p:ph idx="1"/>
-          </p:nvPr>
-        </p:nvSpPr>
-        <p:spPr>
-          <a:xfrm>
-            <a:off x="0" y="1844824"/>
-            <a:ext cx="12192000" cy="5013176"/>
-          </a:xfrm>
-        </p:spPr>
-        <p:txBody>
-          <a:bodyPr>
-            <a:normAutofit/>
-          </a:bodyPr>
-          <a:lstStyle/>
           <a:p>
             <a:pPr algn="ctr">
               <a:buNone/>
             </a:pPr>
             <a:r>
-              <a:rPr lang="zh-CN" altLang="en-US" sz="5400" b="1" dirty="0">
-                <a:solidFill>
-                  <a:srgbClr val="660033"/>
-                </a:solidFill>
-                <a:latin typeface="微軟正黑體" pitchFamily="34" charset="-120"/>
-                <a:ea typeface="微軟正黑體" pitchFamily="34" charset="-120"/>
-              </a:rPr>
-              <a:t>無有黑影遮</a:t>
-            </a:r>
-            <a:r>
-              <a:rPr lang="zh-CN" altLang="en-US" sz="5400" b="1" dirty="0" smtClean="0">
-                <a:solidFill>
-                  <a:srgbClr val="660033"/>
-                </a:solidFill>
-                <a:latin typeface="微軟正黑體" pitchFamily="34" charset="-120"/>
-                <a:ea typeface="微軟正黑體" pitchFamily="34" charset="-120"/>
-              </a:rPr>
-              <a:t>暗</a:t>
-            </a:r>
-            <a:r>
-              <a:rPr lang="en-US" altLang="zh-CN" sz="5400" b="1" dirty="0" smtClean="0">
-                <a:solidFill>
-                  <a:srgbClr val="660033"/>
-                </a:solidFill>
-                <a:latin typeface="微軟正黑體" pitchFamily="34" charset="-120"/>
-                <a:ea typeface="微軟正黑體" pitchFamily="34" charset="-120"/>
-              </a:rPr>
-              <a:t>  </a:t>
-            </a:r>
-            <a:r>
-              <a:rPr lang="zh-CN" altLang="en-US" sz="5400" b="1" dirty="0" smtClean="0">
-                <a:solidFill>
-                  <a:srgbClr val="660033"/>
-                </a:solidFill>
-                <a:latin typeface="微軟正黑體" pitchFamily="34" charset="-120"/>
-                <a:ea typeface="微軟正黑體" pitchFamily="34" charset="-120"/>
-              </a:rPr>
-              <a:t>也</a:t>
-            </a:r>
-            <a:r>
-              <a:rPr lang="zh-CN" altLang="en-US" sz="5400" b="1" dirty="0">
-                <a:solidFill>
-                  <a:srgbClr val="660033"/>
-                </a:solidFill>
-                <a:latin typeface="微軟正黑體" pitchFamily="34" charset="-120"/>
-                <a:ea typeface="微軟正黑體" pitchFamily="34" charset="-120"/>
-              </a:rPr>
-              <a:t>無雲霧迷漫</a:t>
-            </a:r>
-            <a:endParaRPr lang="en-US" altLang="zh-CN" sz="5400" b="1" dirty="0">
+              <a:rPr lang="zh-CN" altLang="en-US" sz="6400" b="1" dirty="0">
+                <a:solidFill>
+                  <a:srgbClr val="660033"/>
+                </a:solidFill>
+                <a:latin typeface="微軟正黑體" pitchFamily="34" charset="-120"/>
+                <a:ea typeface="微軟正黑體" pitchFamily="34" charset="-120"/>
+              </a:rPr>
+              <a:t>信靠順服人主肯同行</a:t>
+            </a:r>
+            <a:endParaRPr lang="zh-TW" altLang="en-US" sz="6400" b="1" dirty="0">
               <a:solidFill>
                 <a:srgbClr val="660033"/>
               </a:solidFill>
@@ -3721,158 +4147,18 @@
               <a:ea typeface="微軟正黑體" pitchFamily="34" charset="-120"/>
             </a:endParaRPr>
           </a:p>
-          <a:p>
-            <a:pPr algn="ctr">
-              <a:buNone/>
-            </a:pPr>
-            <a:r>
-              <a:rPr lang="zh-CN" altLang="en-US" sz="5400" b="1" dirty="0">
-                <a:solidFill>
-                  <a:srgbClr val="660033"/>
-                </a:solidFill>
-                <a:latin typeface="微軟正黑體" pitchFamily="34" charset="-120"/>
-                <a:ea typeface="微軟正黑體" pitchFamily="34" charset="-120"/>
-              </a:rPr>
-              <a:t>我主笑容使雲霧消</a:t>
-            </a:r>
-            <a:r>
-              <a:rPr lang="zh-CN" altLang="en-US" sz="5400" b="1" dirty="0" smtClean="0">
-                <a:solidFill>
-                  <a:srgbClr val="660033"/>
-                </a:solidFill>
-                <a:latin typeface="微軟正黑體" pitchFamily="34" charset="-120"/>
-                <a:ea typeface="微軟正黑體" pitchFamily="34" charset="-120"/>
-              </a:rPr>
-              <a:t>散</a:t>
-            </a:r>
-            <a:endParaRPr lang="en-US" altLang="zh-CN" sz="5400" b="1" dirty="0" smtClean="0">
-              <a:solidFill>
-                <a:srgbClr val="660033"/>
-              </a:solidFill>
-              <a:latin typeface="微軟正黑體" pitchFamily="34" charset="-120"/>
-              <a:ea typeface="微軟正黑體" pitchFamily="34" charset="-120"/>
-            </a:endParaRPr>
-          </a:p>
-          <a:p>
-            <a:pPr algn="ctr">
-              <a:buNone/>
-            </a:pPr>
-            <a:r>
-              <a:rPr lang="zh-CN" altLang="en-US" sz="5400" b="1" dirty="0">
-                <a:solidFill>
-                  <a:srgbClr val="660033"/>
-                </a:solidFill>
-                <a:latin typeface="微軟正黑體" pitchFamily="34" charset="-120"/>
-                <a:ea typeface="微軟正黑體" pitchFamily="34" charset="-120"/>
-              </a:rPr>
-              <a:t>無有疑惑畏</a:t>
-            </a:r>
-            <a:r>
-              <a:rPr lang="zh-CN" altLang="en-US" sz="5400" b="1" dirty="0" smtClean="0">
-                <a:solidFill>
-                  <a:srgbClr val="660033"/>
-                </a:solidFill>
-                <a:latin typeface="微軟正黑體" pitchFamily="34" charset="-120"/>
-                <a:ea typeface="微軟正黑體" pitchFamily="34" charset="-120"/>
-              </a:rPr>
-              <a:t>懼</a:t>
-            </a:r>
-            <a:r>
-              <a:rPr lang="en-US" altLang="zh-CN" sz="5400" b="1" dirty="0" smtClean="0">
-                <a:solidFill>
-                  <a:srgbClr val="660033"/>
-                </a:solidFill>
-                <a:latin typeface="微軟正黑體" pitchFamily="34" charset="-120"/>
-                <a:ea typeface="微軟正黑體" pitchFamily="34" charset="-120"/>
-              </a:rPr>
-              <a:t>  </a:t>
-            </a:r>
-            <a:r>
-              <a:rPr lang="zh-CN" altLang="en-US" sz="5400" b="1" dirty="0" smtClean="0">
-                <a:solidFill>
-                  <a:srgbClr val="660033"/>
-                </a:solidFill>
-                <a:latin typeface="微軟正黑體" pitchFamily="34" charset="-120"/>
-                <a:ea typeface="微軟正黑體" pitchFamily="34" charset="-120"/>
-              </a:rPr>
-              <a:t>也</a:t>
-            </a:r>
-            <a:r>
-              <a:rPr lang="zh-CN" altLang="en-US" sz="5400" b="1" dirty="0">
-                <a:solidFill>
-                  <a:srgbClr val="660033"/>
-                </a:solidFill>
-                <a:latin typeface="微軟正黑體" pitchFamily="34" charset="-120"/>
-                <a:ea typeface="微軟正黑體" pitchFamily="34" charset="-120"/>
-              </a:rPr>
-              <a:t>無歎息憂慮</a:t>
-            </a:r>
-            <a:endParaRPr lang="en-US" altLang="zh-CN" sz="5400" b="1" dirty="0">
-              <a:solidFill>
-                <a:srgbClr val="660033"/>
-              </a:solidFill>
-              <a:latin typeface="微軟正黑體" pitchFamily="34" charset="-120"/>
-              <a:ea typeface="微軟正黑體" pitchFamily="34" charset="-120"/>
-            </a:endParaRPr>
-          </a:p>
-          <a:p>
-            <a:pPr algn="ctr">
-              <a:buNone/>
-            </a:pPr>
-            <a:r>
-              <a:rPr lang="zh-CN" altLang="en-US" sz="5400" b="1" dirty="0">
-                <a:solidFill>
-                  <a:srgbClr val="660033"/>
-                </a:solidFill>
-                <a:latin typeface="微軟正黑體" pitchFamily="34" charset="-120"/>
-                <a:ea typeface="微軟正黑體" pitchFamily="34" charset="-120"/>
-              </a:rPr>
-              <a:t>信靠順服人主永不棄</a:t>
-            </a:r>
-            <a:endParaRPr lang="zh-TW" altLang="en-US" sz="5400" b="1" dirty="0">
-              <a:solidFill>
-                <a:srgbClr val="660033"/>
-              </a:solidFill>
-              <a:latin typeface="微軟正黑體" pitchFamily="34" charset="-120"/>
-              <a:ea typeface="微軟正黑體" pitchFamily="34" charset="-120"/>
-            </a:endParaRPr>
-          </a:p>
-          <a:p>
-            <a:pPr algn="ctr">
-              <a:buNone/>
-            </a:pPr>
-            <a:endParaRPr lang="en-US" altLang="zh-CN" sz="5400" b="1" dirty="0" smtClean="0">
-              <a:solidFill>
-                <a:srgbClr val="660033"/>
-              </a:solidFill>
-              <a:latin typeface="微軟正黑體" pitchFamily="34" charset="-120"/>
-              <a:ea typeface="微軟正黑體" pitchFamily="34" charset="-120"/>
-            </a:endParaRPr>
-          </a:p>
-          <a:p>
-            <a:pPr algn="ctr">
-              <a:buNone/>
-            </a:pPr>
-            <a:endParaRPr lang="zh-TW" altLang="en-US" sz="5400" b="1" dirty="0">
-              <a:solidFill>
-                <a:srgbClr val="660033"/>
-              </a:solidFill>
-              <a:latin typeface="微軟正黑體" pitchFamily="34" charset="-120"/>
-              <a:ea typeface="微軟正黑體" pitchFamily="34" charset="-120"/>
-            </a:endParaRPr>
-          </a:p>
-        </p:txBody>
-      </p:sp>
-      <p:sp>
-        <p:nvSpPr>
-          <p:cNvPr id="2" name="TextBox 1"/>
+        </p:txBody>
+      </p:sp>
+      <p:sp>
+        <p:nvSpPr>
+          <p:cNvPr id="3" name="TextBox 2"/>
           <p:cNvSpPr txBox="1"/>
           <p:nvPr/>
         </p:nvSpPr>
         <p:spPr>
           <a:xfrm>
-            <a:off x="695400" y="1988840"/>
-            <a:ext cx="792088" cy="769441"/>
+            <a:off x="0" y="5253205"/>
+            <a:ext cx="12192000" cy="830997"/>
           </a:xfrm>
           <a:prstGeom prst="rect">
             <a:avLst/>
@@ -3885,22 +4171,19 @@
           </a:bodyPr>
           <a:lstStyle/>
           <a:p>
-            <a:r>
-              <a:rPr lang="en-US" sz="4400" b="1" dirty="0" smtClean="0">
-                <a:solidFill>
-                  <a:srgbClr val="660033"/>
-                </a:solidFill>
-                <a:latin typeface="微軟正黑體" pitchFamily="34" charset="-120"/>
-                <a:ea typeface="微軟正黑體" pitchFamily="34" charset="-120"/>
-              </a:rPr>
-              <a:t>2.</a:t>
-            </a:r>
-            <a:endParaRPr lang="vi-VN" sz="4400" b="1" dirty="0">
+            <a:pPr algn="ctr"/>
+            <a:r>
+              <a:rPr lang="en-US" sz="4800" b="1" dirty="0">
+                <a:solidFill>
+                  <a:srgbClr val="660033"/>
+                </a:solidFill>
+              </a:rPr>
+              <a:t>( 1 )</a:t>
+            </a:r>
+            <a:endParaRPr lang="vi-VN" sz="4800" b="1" dirty="0">
               <a:solidFill>
                 <a:srgbClr val="660033"/>
               </a:solidFill>
-              <a:latin typeface="微軟正黑體" pitchFamily="34" charset="-120"/>
-              <a:ea typeface="微軟正黑體" pitchFamily="34" charset="-120"/>
             </a:endParaRPr>
           </a:p>
         </p:txBody>
@@ -3908,13 +4191,20 @@
     </p:spTree>
     <p:extLst>
       <p:ext uri="{BB962C8B-B14F-4D97-AF65-F5344CB8AC3E}">
-        <p14:creationId xmlns:p14="http://schemas.microsoft.com/office/powerpoint/2010/main" val="51011671"/>
+        <p14:creationId xmlns:p14="http://schemas.microsoft.com/office/powerpoint/2010/main" val="3748470367"/>
       </p:ext>
     </p:extLst>
   </p:cSld>
   <p:clrMapOvr>
     <a:masterClrMapping/>
   </p:clrMapOvr>
+  <p:timing>
+    <p:tnLst>
+      <p:par>
+        <p:cTn id="1" dur="indefinite" restart="never" nodeType="tmRoot"/>
+      </p:par>
+    </p:tnLst>
+  </p:timing>
 </p:sld>
 </file>
 
@@ -3937,28 +4227,31 @@
       </p:grpSpPr>
       <p:sp>
         <p:nvSpPr>
-          <p:cNvPr id="4" name="標題 3"/>
-          <p:cNvSpPr>
-            <a:spLocks noGrp="1"/>
-          </p:cNvSpPr>
-          <p:nvPr>
-            <p:ph type="title"/>
+          <p:cNvPr id="5" name="內容版面配置區 4"/>
+          <p:cNvSpPr>
+            <a:spLocks noGrp="1"/>
+          </p:cNvSpPr>
+          <p:nvPr>
+            <p:ph idx="1"/>
           </p:nvPr>
         </p:nvSpPr>
         <p:spPr>
           <a:xfrm>
-            <a:off x="0" y="274638"/>
-            <a:ext cx="12192000" cy="1143000"/>
+            <a:off x="0" y="2084853"/>
+            <a:ext cx="12192000" cy="2404863"/>
           </a:xfrm>
         </p:spPr>
         <p:txBody>
-          <a:bodyPr>
+          <a:bodyPr anchor="ctr">
             <a:normAutofit/>
           </a:bodyPr>
           <a:lstStyle/>
           <a:p>
-            <a:r>
-              <a:rPr lang="zh-CN" altLang="en-US" sz="4800" b="1" dirty="0" smtClean="0">
+            <a:pPr algn="ctr">
+              <a:buNone/>
+            </a:pPr>
+            <a:r>
+              <a:rPr lang="zh-CN" altLang="en-US" sz="6400" b="1" dirty="0">
                 <a:solidFill>
                   <a:srgbClr val="660033"/>
                 </a:solidFill>
@@ -3967,7 +4260,27 @@
               </a:rPr>
               <a:t>信靠順服</a:t>
             </a:r>
-            <a:endParaRPr lang="zh-TW" altLang="en-US" sz="4800" b="1" dirty="0">
+            <a:r>
+              <a:rPr lang="en-US" altLang="zh-CN" sz="6400" b="1" dirty="0">
+                <a:solidFill>
+                  <a:srgbClr val="660033"/>
+                </a:solidFill>
+                <a:latin typeface="微軟正黑體" pitchFamily="34" charset="-120"/>
+                <a:ea typeface="微軟正黑體" pitchFamily="34" charset="-120"/>
+              </a:rPr>
+              <a:t>  </a:t>
+            </a:r>
+            <a:r>
+              <a:rPr lang="zh-CN" altLang="en-US" sz="6400" b="1" dirty="0">
+                <a:solidFill>
+                  <a:srgbClr val="660033"/>
+                </a:solidFill>
+                <a:latin typeface="微軟正黑體" pitchFamily="34" charset="-120"/>
+                <a:ea typeface="微軟正黑體" pitchFamily="34" charset="-120"/>
+              </a:rPr>
+              <a:t>以外並無別法</a:t>
+            </a:r>
+            <a:endParaRPr lang="en-US" altLang="zh-CN" sz="6400" b="1" dirty="0">
               <a:solidFill>
                 <a:srgbClr val="660033"/>
               </a:solidFill>
@@ -3975,44 +4288,41 @@
               <a:ea typeface="微軟正黑體" pitchFamily="34" charset="-120"/>
             </a:endParaRPr>
           </a:p>
-        </p:txBody>
-      </p:sp>
-      <p:sp>
-        <p:nvSpPr>
-          <p:cNvPr id="5" name="內容版面配置區 4"/>
-          <p:cNvSpPr>
-            <a:spLocks noGrp="1"/>
-          </p:cNvSpPr>
-          <p:nvPr>
-            <p:ph idx="1"/>
-          </p:nvPr>
-        </p:nvSpPr>
-        <p:spPr>
-          <a:xfrm>
-            <a:off x="0" y="1844824"/>
-            <a:ext cx="12192000" cy="5013176"/>
-          </a:xfrm>
-        </p:spPr>
-        <p:txBody>
-          <a:bodyPr>
-            <a:normAutofit/>
-          </a:bodyPr>
-          <a:lstStyle/>
           <a:p>
             <a:pPr algn="ctr">
               <a:buNone/>
             </a:pPr>
             <a:r>
-              <a:rPr lang="zh-CN" altLang="en-US" sz="5400" b="1" dirty="0">
-                <a:solidFill>
-                  <a:srgbClr val="660033"/>
-                </a:solidFill>
-                <a:latin typeface="微軟正黑體" pitchFamily="34" charset="-120"/>
-                <a:ea typeface="微軟正黑體" pitchFamily="34" charset="-120"/>
-              </a:rPr>
-              <a:t>信靠順服</a:t>
-            </a:r>
-            <a:endParaRPr lang="en-US" altLang="zh-CN" sz="5400" b="1" dirty="0">
+              <a:rPr lang="zh-CN" altLang="en-US" sz="6400" b="1" dirty="0">
+                <a:solidFill>
+                  <a:srgbClr val="660033"/>
+                </a:solidFill>
+                <a:latin typeface="微軟正黑體" pitchFamily="34" charset="-120"/>
+                <a:ea typeface="微軟正黑體" pitchFamily="34" charset="-120"/>
+              </a:rPr>
+              <a:t>若要得耶穌喜樂</a:t>
+            </a:r>
+            <a:r>
+              <a:rPr lang="en-US" altLang="zh-CN" sz="6400" b="1" dirty="0">
+                <a:solidFill>
+                  <a:srgbClr val="660033"/>
+                </a:solidFill>
+                <a:latin typeface="微軟正黑體" pitchFamily="34" charset="-120"/>
+                <a:ea typeface="微軟正黑體" pitchFamily="34" charset="-120"/>
+              </a:rPr>
+              <a:t>  </a:t>
+            </a:r>
+            <a:r>
+              <a:rPr lang="zh-CN" altLang="en-US" sz="6400" b="1" dirty="0">
+                <a:solidFill>
+                  <a:srgbClr val="660033"/>
+                </a:solidFill>
+                <a:latin typeface="微軟正黑體" pitchFamily="34" charset="-120"/>
+                <a:ea typeface="微軟正黑體" pitchFamily="34" charset="-120"/>
+              </a:rPr>
+              <a:t>必要信靠順服</a:t>
+            </a:r>
+            <a:endParaRPr lang="en-US" altLang="zh-CN" sz="6400" b="1" dirty="0">
               <a:solidFill>
                 <a:srgbClr val="660033"/>
               </a:solidFill>
@@ -4020,84 +4330,25 @@
               <a:ea typeface="微軟正黑體" pitchFamily="34" charset="-120"/>
             </a:endParaRPr>
           </a:p>
-          <a:p>
-            <a:pPr algn="ctr">
-              <a:buNone/>
-            </a:pPr>
-            <a:r>
-              <a:rPr lang="zh-CN" altLang="en-US" sz="5400" b="1" dirty="0">
-                <a:solidFill>
-                  <a:srgbClr val="660033"/>
-                </a:solidFill>
-                <a:latin typeface="微軟正黑體" pitchFamily="34" charset="-120"/>
-                <a:ea typeface="微軟正黑體" pitchFamily="34" charset="-120"/>
-              </a:rPr>
-              <a:t>以外並無別法</a:t>
-            </a:r>
-            <a:endParaRPr lang="en-US" altLang="zh-CN" sz="5400" b="1" dirty="0">
-              <a:solidFill>
-                <a:srgbClr val="660033"/>
-              </a:solidFill>
-              <a:latin typeface="微軟正黑體" pitchFamily="34" charset="-120"/>
-              <a:ea typeface="微軟正黑體" pitchFamily="34" charset="-120"/>
-            </a:endParaRPr>
-          </a:p>
-          <a:p>
-            <a:pPr algn="ctr">
-              <a:buNone/>
-            </a:pPr>
-            <a:r>
-              <a:rPr lang="zh-CN" altLang="en-US" sz="5400" b="1" dirty="0">
-                <a:solidFill>
-                  <a:srgbClr val="660033"/>
-                </a:solidFill>
-                <a:latin typeface="微軟正黑體" pitchFamily="34" charset="-120"/>
-                <a:ea typeface="微軟正黑體" pitchFamily="34" charset="-120"/>
-              </a:rPr>
-              <a:t>若要得耶穌喜樂</a:t>
-            </a:r>
-            <a:endParaRPr lang="en-US" altLang="zh-CN" sz="5400" b="1" dirty="0">
-              <a:solidFill>
-                <a:srgbClr val="660033"/>
-              </a:solidFill>
-              <a:latin typeface="微軟正黑體" pitchFamily="34" charset="-120"/>
-              <a:ea typeface="微軟正黑體" pitchFamily="34" charset="-120"/>
-            </a:endParaRPr>
-          </a:p>
-          <a:p>
-            <a:pPr algn="ctr">
-              <a:buNone/>
-            </a:pPr>
-            <a:r>
-              <a:rPr lang="zh-CN" altLang="en-US" sz="5400" b="1" dirty="0">
-                <a:solidFill>
-                  <a:srgbClr val="660033"/>
-                </a:solidFill>
-                <a:latin typeface="微軟正黑體" pitchFamily="34" charset="-120"/>
-                <a:ea typeface="微軟正黑體" pitchFamily="34" charset="-120"/>
-              </a:rPr>
-              <a:t>必要信靠順服</a:t>
-            </a:r>
-            <a:endParaRPr lang="en-US" altLang="zh-CN" sz="5400" b="1" dirty="0">
-              <a:solidFill>
-                <a:srgbClr val="660033"/>
-              </a:solidFill>
-              <a:latin typeface="微軟正黑體" pitchFamily="34" charset="-120"/>
-              <a:ea typeface="微軟正黑體" pitchFamily="34" charset="-120"/>
-            </a:endParaRPr>
-          </a:p>
         </p:txBody>
       </p:sp>
     </p:spTree>
     <p:extLst>
       <p:ext uri="{BB962C8B-B14F-4D97-AF65-F5344CB8AC3E}">
-        <p14:creationId xmlns:p14="http://schemas.microsoft.com/office/powerpoint/2010/main" val="1768517536"/>
+        <p14:creationId xmlns:p14="http://schemas.microsoft.com/office/powerpoint/2010/main" val="250643072"/>
       </p:ext>
     </p:extLst>
   </p:cSld>
   <p:clrMapOvr>
     <a:masterClrMapping/>
   </p:clrMapOvr>
+  <p:timing>
+    <p:tnLst>
+      <p:par>
+        <p:cTn id="1" dur="indefinite" restart="never" nodeType="tmRoot"/>
+      </p:par>
+    </p:tnLst>
+  </p:timing>
 </p:sld>
 </file>
 
@@ -4120,37 +4371,60 @@
       </p:grpSpPr>
       <p:sp>
         <p:nvSpPr>
-          <p:cNvPr id="4" name="標題 3"/>
-          <p:cNvSpPr>
-            <a:spLocks noGrp="1"/>
-          </p:cNvSpPr>
-          <p:nvPr>
-            <p:ph type="title"/>
+          <p:cNvPr id="5" name="內容版面配置區 4"/>
+          <p:cNvSpPr>
+            <a:spLocks noGrp="1"/>
+          </p:cNvSpPr>
+          <p:nvPr>
+            <p:ph idx="1"/>
           </p:nvPr>
         </p:nvSpPr>
         <p:spPr>
           <a:xfrm>
-            <a:off x="0" y="274638"/>
-            <a:ext cx="12192000" cy="1143000"/>
+            <a:off x="0" y="2084853"/>
+            <a:ext cx="12192000" cy="2404863"/>
           </a:xfrm>
         </p:spPr>
         <p:txBody>
-          <a:bodyPr>
+          <a:bodyPr anchor="ctr">
             <a:normAutofit/>
           </a:bodyPr>
           <a:lstStyle/>
           <a:p>
-            <a:r>
-              <a:rPr lang="zh-CN" altLang="en-US" sz="4800" b="1" dirty="0" smtClean="0">
-                <a:solidFill>
-                  <a:srgbClr val="660033"/>
-                </a:solidFill>
-                <a:latin typeface="微軟正黑體" pitchFamily="34" charset="-120"/>
-                <a:ea typeface="微軟正黑體" pitchFamily="34" charset="-120"/>
-              </a:rPr>
-              <a:t>信靠順服</a:t>
-            </a:r>
-            <a:endParaRPr lang="zh-TW" altLang="en-US" sz="4800" b="1" dirty="0">
+            <a:pPr algn="ctr">
+              <a:buNone/>
+            </a:pPr>
+            <a:r>
+              <a:rPr lang="zh-CN" altLang="en-US" sz="6400" b="1" dirty="0">
+                <a:solidFill>
+                  <a:srgbClr val="660033"/>
+                </a:solidFill>
+                <a:latin typeface="微軟正黑體" pitchFamily="34" charset="-120"/>
+                <a:ea typeface="微軟正黑體" pitchFamily="34" charset="-120"/>
+              </a:rPr>
+              <a:t>無有黑影遮暗</a:t>
+            </a:r>
+            <a:r>
+              <a:rPr lang="en-US" altLang="zh-CN" sz="6400" b="1" dirty="0">
+                <a:solidFill>
+                  <a:srgbClr val="660033"/>
+                </a:solidFill>
+                <a:latin typeface="微軟正黑體" pitchFamily="34" charset="-120"/>
+                <a:ea typeface="微軟正黑體" pitchFamily="34" charset="-120"/>
+              </a:rPr>
+              <a:t>  </a:t>
+            </a:r>
+            <a:r>
+              <a:rPr lang="zh-CN" altLang="en-US" sz="6400" b="1" dirty="0">
+                <a:solidFill>
+                  <a:srgbClr val="660033"/>
+                </a:solidFill>
+                <a:latin typeface="微軟正黑體" pitchFamily="34" charset="-120"/>
+                <a:ea typeface="微軟正黑體" pitchFamily="34" charset="-120"/>
+              </a:rPr>
+              <a:t>也無雲霧迷漫</a:t>
+            </a:r>
+            <a:endParaRPr lang="en-US" altLang="zh-CN" sz="6400" b="1" dirty="0">
               <a:solidFill>
                 <a:srgbClr val="660033"/>
               </a:solidFill>
@@ -4158,84 +4432,21 @@
               <a:ea typeface="微軟正黑體" pitchFamily="34" charset="-120"/>
             </a:endParaRPr>
           </a:p>
-        </p:txBody>
-      </p:sp>
-      <p:sp>
-        <p:nvSpPr>
-          <p:cNvPr id="5" name="內容版面配置區 4"/>
-          <p:cNvSpPr>
-            <a:spLocks noGrp="1"/>
-          </p:cNvSpPr>
-          <p:nvPr>
-            <p:ph idx="1"/>
-          </p:nvPr>
-        </p:nvSpPr>
-        <p:spPr>
-          <a:xfrm>
-            <a:off x="0" y="1844824"/>
-            <a:ext cx="12192000" cy="5013176"/>
-          </a:xfrm>
-        </p:spPr>
-        <p:txBody>
-          <a:bodyPr>
-            <a:normAutofit/>
-          </a:bodyPr>
-          <a:lstStyle/>
           <a:p>
             <a:pPr algn="ctr">
               <a:buNone/>
             </a:pPr>
             <a:r>
-              <a:rPr lang="zh-CN" altLang="en-US" sz="5400" b="1" dirty="0">
-                <a:solidFill>
-                  <a:srgbClr val="660033"/>
-                </a:solidFill>
-                <a:latin typeface="微軟正黑體" pitchFamily="34" charset="-120"/>
-                <a:ea typeface="微軟正黑體" pitchFamily="34" charset="-120"/>
-              </a:rPr>
-              <a:t>不要背負重</a:t>
-            </a:r>
-            <a:r>
-              <a:rPr lang="zh-CN" altLang="en-US" sz="5400" b="1" dirty="0" smtClean="0">
-                <a:solidFill>
-                  <a:srgbClr val="660033"/>
-                </a:solidFill>
-                <a:latin typeface="微軟正黑體" pitchFamily="34" charset="-120"/>
-                <a:ea typeface="微軟正黑體" pitchFamily="34" charset="-120"/>
-              </a:rPr>
-              <a:t>擔</a:t>
-            </a:r>
-            <a:r>
-              <a:rPr lang="en-US" altLang="zh-CN" sz="5400" b="1" dirty="0" smtClean="0">
-                <a:solidFill>
-                  <a:srgbClr val="660033"/>
-                </a:solidFill>
-                <a:latin typeface="微軟正黑體" pitchFamily="34" charset="-120"/>
-                <a:ea typeface="微軟正黑體" pitchFamily="34" charset="-120"/>
-              </a:rPr>
-              <a:t>  </a:t>
-            </a:r>
-            <a:r>
-              <a:rPr lang="zh-CN" altLang="en-US" sz="5400" b="1" dirty="0" smtClean="0">
-                <a:solidFill>
-                  <a:srgbClr val="660033"/>
-                </a:solidFill>
-                <a:latin typeface="微軟正黑體" pitchFamily="34" charset="-120"/>
-                <a:ea typeface="微軟正黑體" pitchFamily="34" charset="-120"/>
-              </a:rPr>
-              <a:t>不</a:t>
-            </a:r>
-            <a:r>
-              <a:rPr lang="zh-CN" altLang="en-US" sz="5400" b="1" dirty="0">
-                <a:solidFill>
-                  <a:srgbClr val="660033"/>
-                </a:solidFill>
-                <a:latin typeface="微軟正黑體" pitchFamily="34" charset="-120"/>
-                <a:ea typeface="微軟正黑體" pitchFamily="34" charset="-120"/>
-              </a:rPr>
-              <a:t>要憂愁悲哀</a:t>
-            </a:r>
-            <a:endParaRPr lang="en-US" altLang="zh-CN" sz="5400" b="1" dirty="0">
+              <a:rPr lang="zh-CN" altLang="en-US" sz="6400" b="1" dirty="0">
+                <a:solidFill>
+                  <a:srgbClr val="660033"/>
+                </a:solidFill>
+                <a:latin typeface="微軟正黑體" pitchFamily="34" charset="-120"/>
+                <a:ea typeface="微軟正黑體" pitchFamily="34" charset="-120"/>
+              </a:rPr>
+              <a:t>我主笑容使雲霧消散</a:t>
+            </a:r>
+            <a:endParaRPr lang="en-US" altLang="zh-CN" sz="6400" b="1" dirty="0">
               <a:solidFill>
                 <a:srgbClr val="660033"/>
               </a:solidFill>
@@ -4243,144 +4454,18 @@
               <a:ea typeface="微軟正黑體" pitchFamily="34" charset="-120"/>
             </a:endParaRPr>
           </a:p>
-          <a:p>
-            <a:pPr algn="ctr">
-              <a:buNone/>
-            </a:pPr>
-            <a:r>
-              <a:rPr lang="zh-CN" altLang="en-US" sz="5400" b="1" dirty="0">
-                <a:solidFill>
-                  <a:srgbClr val="660033"/>
-                </a:solidFill>
-                <a:latin typeface="微軟正黑體" pitchFamily="34" charset="-120"/>
-                <a:ea typeface="微軟正黑體" pitchFamily="34" charset="-120"/>
-              </a:rPr>
-              <a:t>一切勞苦主都能代</a:t>
-            </a:r>
-            <a:r>
-              <a:rPr lang="zh-CN" altLang="en-US" sz="5400" b="1" dirty="0" smtClean="0">
-                <a:solidFill>
-                  <a:srgbClr val="660033"/>
-                </a:solidFill>
-                <a:latin typeface="微軟正黑體" pitchFamily="34" charset="-120"/>
-                <a:ea typeface="微軟正黑體" pitchFamily="34" charset="-120"/>
-              </a:rPr>
-              <a:t>替</a:t>
-            </a:r>
-            <a:endParaRPr lang="en-US" altLang="zh-CN" sz="5400" b="1" dirty="0" smtClean="0">
-              <a:solidFill>
-                <a:srgbClr val="660033"/>
-              </a:solidFill>
-              <a:latin typeface="微軟正黑體" pitchFamily="34" charset="-120"/>
-              <a:ea typeface="微軟正黑體" pitchFamily="34" charset="-120"/>
-            </a:endParaRPr>
-          </a:p>
-          <a:p>
-            <a:pPr algn="ctr">
-              <a:buNone/>
-            </a:pPr>
-            <a:r>
-              <a:rPr lang="zh-CN" altLang="en-US" sz="5400" b="1" dirty="0">
-                <a:solidFill>
-                  <a:srgbClr val="660033"/>
-                </a:solidFill>
-                <a:latin typeface="微軟正黑體" pitchFamily="34" charset="-120"/>
-                <a:ea typeface="微軟正黑體" pitchFamily="34" charset="-120"/>
-              </a:rPr>
-              <a:t>無有傷心眼</a:t>
-            </a:r>
-            <a:r>
-              <a:rPr lang="zh-CN" altLang="en-US" sz="5400" b="1" dirty="0" smtClean="0">
-                <a:solidFill>
-                  <a:srgbClr val="660033"/>
-                </a:solidFill>
-                <a:latin typeface="微軟正黑體" pitchFamily="34" charset="-120"/>
-                <a:ea typeface="微軟正黑體" pitchFamily="34" charset="-120"/>
-              </a:rPr>
-              <a:t>淚</a:t>
-            </a:r>
-            <a:r>
-              <a:rPr lang="en-US" altLang="zh-CN" sz="5400" b="1" dirty="0" smtClean="0">
-                <a:solidFill>
-                  <a:srgbClr val="660033"/>
-                </a:solidFill>
-                <a:latin typeface="微軟正黑體" pitchFamily="34" charset="-120"/>
-                <a:ea typeface="微軟正黑體" pitchFamily="34" charset="-120"/>
-              </a:rPr>
-              <a:t>  </a:t>
-            </a:r>
-            <a:r>
-              <a:rPr lang="zh-CN" altLang="en-US" sz="5400" b="1" dirty="0" smtClean="0">
-                <a:solidFill>
-                  <a:srgbClr val="660033"/>
-                </a:solidFill>
-                <a:latin typeface="微軟正黑體" pitchFamily="34" charset="-120"/>
-                <a:ea typeface="微軟正黑體" pitchFamily="34" charset="-120"/>
-              </a:rPr>
-              <a:t>無</a:t>
-            </a:r>
-            <a:r>
-              <a:rPr lang="zh-CN" altLang="en-US" sz="5400" b="1" dirty="0">
-                <a:solidFill>
-                  <a:srgbClr val="660033"/>
-                </a:solidFill>
-                <a:latin typeface="微軟正黑體" pitchFamily="34" charset="-120"/>
-                <a:ea typeface="微軟正黑體" pitchFamily="34" charset="-120"/>
-              </a:rPr>
-              <a:t>有怨恨怒氣</a:t>
-            </a:r>
-            <a:endParaRPr lang="en-US" altLang="zh-CN" sz="5400" b="1" dirty="0">
-              <a:solidFill>
-                <a:srgbClr val="660033"/>
-              </a:solidFill>
-              <a:latin typeface="微軟正黑體" pitchFamily="34" charset="-120"/>
-              <a:ea typeface="微軟正黑體" pitchFamily="34" charset="-120"/>
-            </a:endParaRPr>
-          </a:p>
-          <a:p>
-            <a:pPr algn="ctr">
-              <a:buNone/>
-            </a:pPr>
-            <a:r>
-              <a:rPr lang="zh-CN" altLang="en-US" sz="5400" b="1" dirty="0">
-                <a:solidFill>
-                  <a:srgbClr val="660033"/>
-                </a:solidFill>
-                <a:latin typeface="微軟正黑體" pitchFamily="34" charset="-120"/>
-                <a:ea typeface="微軟正黑體" pitchFamily="34" charset="-120"/>
-              </a:rPr>
-              <a:t>信靠順服人全受福</a:t>
-            </a:r>
-            <a:r>
-              <a:rPr lang="zh-CN" altLang="en-US" sz="5400" b="1" dirty="0" smtClean="0">
-                <a:solidFill>
-                  <a:srgbClr val="660033"/>
-                </a:solidFill>
-                <a:latin typeface="微軟正黑體" pitchFamily="34" charset="-120"/>
-                <a:ea typeface="微軟正黑體" pitchFamily="34" charset="-120"/>
-              </a:rPr>
-              <a:t>氣</a:t>
-            </a:r>
-            <a:endParaRPr lang="zh-TW" altLang="en-US" sz="5400" b="1" dirty="0">
-              <a:solidFill>
-                <a:srgbClr val="660033"/>
-              </a:solidFill>
-              <a:latin typeface="微軟正黑體" pitchFamily="34" charset="-120"/>
-              <a:ea typeface="微軟正黑體" pitchFamily="34" charset="-120"/>
-            </a:endParaRPr>
-          </a:p>
-        </p:txBody>
-      </p:sp>
-      <p:sp>
-        <p:nvSpPr>
-          <p:cNvPr id="2" name="TextBox 1"/>
+        </p:txBody>
+      </p:sp>
+      <p:sp>
+        <p:nvSpPr>
+          <p:cNvPr id="3" name="TextBox 2"/>
           <p:cNvSpPr txBox="1"/>
           <p:nvPr/>
         </p:nvSpPr>
         <p:spPr>
           <a:xfrm>
-            <a:off x="695400" y="1988840"/>
-            <a:ext cx="792088" cy="769441"/>
+            <a:off x="0" y="5253205"/>
+            <a:ext cx="12192000" cy="830997"/>
           </a:xfrm>
           <a:prstGeom prst="rect">
             <a:avLst/>
@@ -4393,32 +4478,35 @@
           </a:bodyPr>
           <a:lstStyle/>
           <a:p>
-            <a:r>
-              <a:rPr lang="en-US" sz="4400" b="1" dirty="0">
-                <a:solidFill>
-                  <a:srgbClr val="660033"/>
-                </a:solidFill>
-                <a:latin typeface="微軟正黑體" pitchFamily="34" charset="-120"/>
-                <a:ea typeface="微軟正黑體" pitchFamily="34" charset="-120"/>
-              </a:rPr>
-              <a:t>3</a:t>
-            </a:r>
-            <a:r>
-              <a:rPr lang="en-US" sz="4400" b="1" dirty="0" smtClean="0">
-                <a:solidFill>
-                  <a:srgbClr val="660033"/>
-                </a:solidFill>
-                <a:latin typeface="微軟正黑體" pitchFamily="34" charset="-120"/>
-                <a:ea typeface="微軟正黑體" pitchFamily="34" charset="-120"/>
-              </a:rPr>
-              <a:t>.</a:t>
-            </a:r>
-            <a:endParaRPr lang="vi-VN" sz="4400" b="1" dirty="0">
+            <a:pPr algn="ctr"/>
+            <a:r>
+              <a:rPr lang="en-US" sz="4800" b="1" dirty="0">
+                <a:solidFill>
+                  <a:srgbClr val="660033"/>
+                </a:solidFill>
+              </a:rPr>
+              <a:t>( </a:t>
+            </a:r>
+            <a:r>
+              <a:rPr lang="en-US" sz="4800" b="1" dirty="0">
+                <a:solidFill>
+                  <a:srgbClr val="660033"/>
+                </a:solidFill>
+              </a:rPr>
+              <a:t>2 </a:t>
+            </a:r>
+            <a:r>
+              <a:rPr lang="en-US" sz="4800" b="1" dirty="0">
+                <a:solidFill>
+                  <a:srgbClr val="660033"/>
+                </a:solidFill>
+              </a:rPr>
+              <a:t>)</a:t>
+            </a:r>
+            <a:endParaRPr lang="vi-VN" sz="4800" b="1" dirty="0">
               <a:solidFill>
                 <a:srgbClr val="660033"/>
               </a:solidFill>
-              <a:latin typeface="微軟正黑體" pitchFamily="34" charset="-120"/>
-              <a:ea typeface="微軟正黑體" pitchFamily="34" charset="-120"/>
             </a:endParaRPr>
           </a:p>
         </p:txBody>
@@ -4426,13 +4514,20 @@
     </p:spTree>
     <p:extLst>
       <p:ext uri="{BB962C8B-B14F-4D97-AF65-F5344CB8AC3E}">
-        <p14:creationId xmlns:p14="http://schemas.microsoft.com/office/powerpoint/2010/main" val="2031667674"/>
+        <p14:creationId xmlns:p14="http://schemas.microsoft.com/office/powerpoint/2010/main" val="516066653"/>
       </p:ext>
     </p:extLst>
   </p:cSld>
   <p:clrMapOvr>
     <a:masterClrMapping/>
   </p:clrMapOvr>
+  <p:timing>
+    <p:tnLst>
+      <p:par>
+        <p:cTn id="1" dur="indefinite" restart="never" nodeType="tmRoot"/>
+      </p:par>
+    </p:tnLst>
+  </p:timing>
 </p:sld>
 </file>
 
@@ -4455,37 +4550,60 @@
       </p:grpSpPr>
       <p:sp>
         <p:nvSpPr>
-          <p:cNvPr id="4" name="標題 3"/>
-          <p:cNvSpPr>
-            <a:spLocks noGrp="1"/>
-          </p:cNvSpPr>
-          <p:nvPr>
-            <p:ph type="title"/>
+          <p:cNvPr id="5" name="內容版面配置區 4"/>
+          <p:cNvSpPr>
+            <a:spLocks noGrp="1"/>
+          </p:cNvSpPr>
+          <p:nvPr>
+            <p:ph idx="1"/>
           </p:nvPr>
         </p:nvSpPr>
         <p:spPr>
           <a:xfrm>
-            <a:off x="0" y="274638"/>
-            <a:ext cx="12192000" cy="1143000"/>
+            <a:off x="0" y="2084853"/>
+            <a:ext cx="12192000" cy="2404863"/>
           </a:xfrm>
         </p:spPr>
         <p:txBody>
-          <a:bodyPr>
+          <a:bodyPr anchor="ctr">
             <a:normAutofit/>
           </a:bodyPr>
           <a:lstStyle/>
           <a:p>
-            <a:r>
-              <a:rPr lang="zh-CN" altLang="en-US" sz="4800" b="1" dirty="0" smtClean="0">
-                <a:solidFill>
-                  <a:srgbClr val="660033"/>
-                </a:solidFill>
-                <a:latin typeface="微軟正黑體" pitchFamily="34" charset="-120"/>
-                <a:ea typeface="微軟正黑體" pitchFamily="34" charset="-120"/>
-              </a:rPr>
-              <a:t>信靠順服</a:t>
-            </a:r>
-            <a:endParaRPr lang="zh-TW" altLang="en-US" sz="4800" b="1" dirty="0">
+            <a:pPr algn="ctr">
+              <a:buNone/>
+            </a:pPr>
+            <a:r>
+              <a:rPr lang="zh-CN" altLang="en-US" sz="6400" b="1" dirty="0">
+                <a:solidFill>
+                  <a:srgbClr val="660033"/>
+                </a:solidFill>
+                <a:latin typeface="微軟正黑體" pitchFamily="34" charset="-120"/>
+                <a:ea typeface="微軟正黑體" pitchFamily="34" charset="-120"/>
+              </a:rPr>
+              <a:t>無有疑惑畏懼</a:t>
+            </a:r>
+            <a:r>
+              <a:rPr lang="en-US" altLang="zh-CN" sz="6400" b="1" dirty="0">
+                <a:solidFill>
+                  <a:srgbClr val="660033"/>
+                </a:solidFill>
+                <a:latin typeface="微軟正黑體" pitchFamily="34" charset="-120"/>
+                <a:ea typeface="微軟正黑體" pitchFamily="34" charset="-120"/>
+              </a:rPr>
+              <a:t>  </a:t>
+            </a:r>
+            <a:r>
+              <a:rPr lang="zh-CN" altLang="en-US" sz="6400" b="1" dirty="0">
+                <a:solidFill>
+                  <a:srgbClr val="660033"/>
+                </a:solidFill>
+                <a:latin typeface="微軟正黑體" pitchFamily="34" charset="-120"/>
+                <a:ea typeface="微軟正黑體" pitchFamily="34" charset="-120"/>
+              </a:rPr>
+              <a:t>也無歎息憂慮</a:t>
+            </a:r>
+            <a:endParaRPr lang="en-US" altLang="zh-CN" sz="6400" b="1" dirty="0">
               <a:solidFill>
                 <a:srgbClr val="660033"/>
               </a:solidFill>
@@ -4493,44 +4611,21 @@
               <a:ea typeface="微軟正黑體" pitchFamily="34" charset="-120"/>
             </a:endParaRPr>
           </a:p>
-        </p:txBody>
-      </p:sp>
-      <p:sp>
-        <p:nvSpPr>
-          <p:cNvPr id="5" name="內容版面配置區 4"/>
-          <p:cNvSpPr>
-            <a:spLocks noGrp="1"/>
-          </p:cNvSpPr>
-          <p:nvPr>
-            <p:ph idx="1"/>
-          </p:nvPr>
-        </p:nvSpPr>
-        <p:spPr>
-          <a:xfrm>
-            <a:off x="0" y="1844824"/>
-            <a:ext cx="12192000" cy="5013176"/>
-          </a:xfrm>
-        </p:spPr>
-        <p:txBody>
-          <a:bodyPr>
-            <a:normAutofit/>
-          </a:bodyPr>
-          <a:lstStyle/>
           <a:p>
             <a:pPr algn="ctr">
               <a:buNone/>
             </a:pPr>
             <a:r>
-              <a:rPr lang="zh-CN" altLang="en-US" sz="5400" b="1" dirty="0">
-                <a:solidFill>
-                  <a:srgbClr val="660033"/>
-                </a:solidFill>
-                <a:latin typeface="微軟正黑體" pitchFamily="34" charset="-120"/>
-                <a:ea typeface="微軟正黑體" pitchFamily="34" charset="-120"/>
-              </a:rPr>
-              <a:t>信靠順服</a:t>
-            </a:r>
-            <a:endParaRPr lang="en-US" altLang="zh-CN" sz="5400" b="1" dirty="0">
+              <a:rPr lang="zh-CN" altLang="en-US" sz="6400" b="1" dirty="0">
+                <a:solidFill>
+                  <a:srgbClr val="660033"/>
+                </a:solidFill>
+                <a:latin typeface="微軟正黑體" pitchFamily="34" charset="-120"/>
+                <a:ea typeface="微軟正黑體" pitchFamily="34" charset="-120"/>
+              </a:rPr>
+              <a:t>信靠順服人主永不棄</a:t>
+            </a:r>
+            <a:endParaRPr lang="zh-TW" altLang="en-US" sz="6400" b="1" dirty="0">
               <a:solidFill>
                 <a:srgbClr val="660033"/>
               </a:solidFill>
@@ -4538,70 +4633,59 @@
               <a:ea typeface="微軟正黑體" pitchFamily="34" charset="-120"/>
             </a:endParaRPr>
           </a:p>
-          <a:p>
-            <a:pPr algn="ctr">
-              <a:buNone/>
-            </a:pPr>
-            <a:r>
-              <a:rPr lang="zh-CN" altLang="en-US" sz="5400" b="1" dirty="0">
-                <a:solidFill>
-                  <a:srgbClr val="660033"/>
-                </a:solidFill>
-                <a:latin typeface="微軟正黑體" pitchFamily="34" charset="-120"/>
-                <a:ea typeface="微軟正黑體" pitchFamily="34" charset="-120"/>
-              </a:rPr>
-              <a:t>以外並無別法</a:t>
-            </a:r>
-            <a:endParaRPr lang="en-US" altLang="zh-CN" sz="5400" b="1" dirty="0">
+        </p:txBody>
+      </p:sp>
+      <p:sp>
+        <p:nvSpPr>
+          <p:cNvPr id="3" name="TextBox 2"/>
+          <p:cNvSpPr txBox="1"/>
+          <p:nvPr/>
+        </p:nvSpPr>
+        <p:spPr>
+          <a:xfrm>
+            <a:off x="0" y="5253205"/>
+            <a:ext cx="12192000" cy="830997"/>
+          </a:xfrm>
+          <a:prstGeom prst="rect">
+            <a:avLst/>
+          </a:prstGeom>
+          <a:noFill/>
+        </p:spPr>
+        <p:txBody>
+          <a:bodyPr wrap="square" rtlCol="0">
+            <a:spAutoFit/>
+          </a:bodyPr>
+          <a:lstStyle/>
+          <a:p>
+            <a:pPr algn="ctr"/>
+            <a:r>
+              <a:rPr lang="en-US" sz="4800" b="1" dirty="0">
+                <a:solidFill>
+                  <a:srgbClr val="660033"/>
+                </a:solidFill>
+              </a:rPr>
+              <a:t>( </a:t>
+            </a:r>
+            <a:r>
+              <a:rPr lang="en-US" sz="4800" b="1" dirty="0">
+                <a:solidFill>
+                  <a:srgbClr val="660033"/>
+                </a:solidFill>
+              </a:rPr>
+              <a:t>2 </a:t>
+            </a:r>
+            <a:r>
+              <a:rPr lang="en-US" sz="4800" b="1" dirty="0">
+                <a:solidFill>
+                  <a:srgbClr val="660033"/>
+                </a:solidFill>
+              </a:rPr>
+              <a:t>)</a:t>
+            </a:r>
+            <a:endParaRPr lang="vi-VN" sz="4800" b="1" dirty="0">
               <a:solidFill>
                 <a:srgbClr val="660033"/>
               </a:solidFill>
-              <a:latin typeface="微軟正黑體" pitchFamily="34" charset="-120"/>
-              <a:ea typeface="微軟正黑體" pitchFamily="34" charset="-120"/>
-            </a:endParaRPr>
-          </a:p>
-          <a:p>
-            <a:pPr algn="ctr">
-              <a:buNone/>
-            </a:pPr>
-            <a:r>
-              <a:rPr lang="zh-CN" altLang="en-US" sz="5400" b="1" dirty="0">
-                <a:solidFill>
-                  <a:srgbClr val="660033"/>
-                </a:solidFill>
-                <a:latin typeface="微軟正黑體" pitchFamily="34" charset="-120"/>
-                <a:ea typeface="微軟正黑體" pitchFamily="34" charset="-120"/>
-              </a:rPr>
-              <a:t>若要得耶穌喜樂</a:t>
-            </a:r>
-            <a:endParaRPr lang="en-US" altLang="zh-CN" sz="5400" b="1" dirty="0">
-              <a:solidFill>
-                <a:srgbClr val="660033"/>
-              </a:solidFill>
-              <a:latin typeface="微軟正黑體" pitchFamily="34" charset="-120"/>
-              <a:ea typeface="微軟正黑體" pitchFamily="34" charset="-120"/>
-            </a:endParaRPr>
-          </a:p>
-          <a:p>
-            <a:pPr algn="ctr">
-              <a:buNone/>
-            </a:pPr>
-            <a:r>
-              <a:rPr lang="zh-CN" altLang="en-US" sz="5400" b="1" dirty="0">
-                <a:solidFill>
-                  <a:srgbClr val="660033"/>
-                </a:solidFill>
-                <a:latin typeface="微軟正黑體" pitchFamily="34" charset="-120"/>
-                <a:ea typeface="微軟正黑體" pitchFamily="34" charset="-120"/>
-              </a:rPr>
-              <a:t>必要信靠順服</a:t>
-            </a:r>
-            <a:endParaRPr lang="en-US" altLang="zh-CN" sz="5400" b="1" dirty="0">
-              <a:solidFill>
-                <a:srgbClr val="660033"/>
-              </a:solidFill>
-              <a:latin typeface="微軟正黑體" pitchFamily="34" charset="-120"/>
-              <a:ea typeface="微軟正黑體" pitchFamily="34" charset="-120"/>
             </a:endParaRPr>
           </a:p>
         </p:txBody>
@@ -4609,13 +4693,20 @@
     </p:spTree>
     <p:extLst>
       <p:ext uri="{BB962C8B-B14F-4D97-AF65-F5344CB8AC3E}">
-        <p14:creationId xmlns:p14="http://schemas.microsoft.com/office/powerpoint/2010/main" val="4183943868"/>
+        <p14:creationId xmlns:p14="http://schemas.microsoft.com/office/powerpoint/2010/main" val="2211676668"/>
       </p:ext>
     </p:extLst>
   </p:cSld>
   <p:clrMapOvr>
     <a:masterClrMapping/>
   </p:clrMapOvr>
+  <p:timing>
+    <p:tnLst>
+      <p:par>
+        <p:cTn id="1" dur="indefinite" restart="never" nodeType="tmRoot"/>
+      </p:par>
+    </p:tnLst>
+  </p:timing>
 </p:sld>
 </file>
 
@@ -4638,28 +4729,31 @@
       </p:grpSpPr>
       <p:sp>
         <p:nvSpPr>
-          <p:cNvPr id="4" name="標題 3"/>
-          <p:cNvSpPr>
-            <a:spLocks noGrp="1"/>
-          </p:cNvSpPr>
-          <p:nvPr>
-            <p:ph type="title"/>
+          <p:cNvPr id="5" name="內容版面配置區 4"/>
+          <p:cNvSpPr>
+            <a:spLocks noGrp="1"/>
+          </p:cNvSpPr>
+          <p:nvPr>
+            <p:ph idx="1"/>
           </p:nvPr>
         </p:nvSpPr>
         <p:spPr>
           <a:xfrm>
-            <a:off x="0" y="274638"/>
-            <a:ext cx="12192000" cy="1143000"/>
+            <a:off x="0" y="2084853"/>
+            <a:ext cx="12192000" cy="2404863"/>
           </a:xfrm>
         </p:spPr>
         <p:txBody>
-          <a:bodyPr>
+          <a:bodyPr anchor="ctr">
             <a:normAutofit/>
           </a:bodyPr>
           <a:lstStyle/>
           <a:p>
-            <a:r>
-              <a:rPr lang="zh-CN" altLang="en-US" sz="4800" b="1" dirty="0" smtClean="0">
+            <a:pPr algn="ctr">
+              <a:buNone/>
+            </a:pPr>
+            <a:r>
+              <a:rPr lang="zh-CN" altLang="en-US" sz="6400" b="1" dirty="0">
                 <a:solidFill>
                   <a:srgbClr val="660033"/>
                 </a:solidFill>
@@ -4668,7 +4762,27 @@
               </a:rPr>
               <a:t>信靠順服</a:t>
             </a:r>
-            <a:endParaRPr lang="zh-TW" altLang="en-US" sz="4800" b="1" dirty="0">
+            <a:r>
+              <a:rPr lang="en-US" altLang="zh-CN" sz="6400" b="1" dirty="0">
+                <a:solidFill>
+                  <a:srgbClr val="660033"/>
+                </a:solidFill>
+                <a:latin typeface="微軟正黑體" pitchFamily="34" charset="-120"/>
+                <a:ea typeface="微軟正黑體" pitchFamily="34" charset="-120"/>
+              </a:rPr>
+              <a:t>  </a:t>
+            </a:r>
+            <a:r>
+              <a:rPr lang="zh-CN" altLang="en-US" sz="6400" b="1" dirty="0">
+                <a:solidFill>
+                  <a:srgbClr val="660033"/>
+                </a:solidFill>
+                <a:latin typeface="微軟正黑體" pitchFamily="34" charset="-120"/>
+                <a:ea typeface="微軟正黑體" pitchFamily="34" charset="-120"/>
+              </a:rPr>
+              <a:t>以外並無別法</a:t>
+            </a:r>
+            <a:endParaRPr lang="en-US" altLang="zh-CN" sz="6400" b="1" dirty="0">
               <a:solidFill>
                 <a:srgbClr val="660033"/>
               </a:solidFill>
@@ -4676,55 +4790,22 @@
               <a:ea typeface="微軟正黑體" pitchFamily="34" charset="-120"/>
             </a:endParaRPr>
           </a:p>
-        </p:txBody>
-      </p:sp>
-      <p:sp>
-        <p:nvSpPr>
-          <p:cNvPr id="5" name="內容版面配置區 4"/>
-          <p:cNvSpPr>
-            <a:spLocks noGrp="1"/>
-          </p:cNvSpPr>
-          <p:nvPr>
-            <p:ph idx="1"/>
-          </p:nvPr>
-        </p:nvSpPr>
-        <p:spPr>
-          <a:xfrm>
-            <a:off x="0" y="1844824"/>
-            <a:ext cx="12192000" cy="5013176"/>
-          </a:xfrm>
-        </p:spPr>
-        <p:txBody>
-          <a:bodyPr>
-            <a:normAutofit/>
-          </a:bodyPr>
-          <a:lstStyle/>
           <a:p>
             <a:pPr algn="ctr">
               <a:buNone/>
             </a:pPr>
             <a:r>
-              <a:rPr lang="zh-CN" altLang="en-US" sz="5400" b="1" dirty="0">
-                <a:solidFill>
-                  <a:srgbClr val="660033"/>
-                </a:solidFill>
-                <a:latin typeface="微軟正黑體" pitchFamily="34" charset="-120"/>
-                <a:ea typeface="微軟正黑體" pitchFamily="34" charset="-120"/>
-              </a:rPr>
-              <a:t>主與我做朋</a:t>
-            </a:r>
-            <a:r>
-              <a:rPr lang="zh-CN" altLang="en-US" sz="5400" b="1" dirty="0" smtClean="0">
-                <a:solidFill>
-                  <a:srgbClr val="660033"/>
-                </a:solidFill>
-                <a:latin typeface="微軟正黑體" pitchFamily="34" charset="-120"/>
-                <a:ea typeface="微軟正黑體" pitchFamily="34" charset="-120"/>
-              </a:rPr>
-              <a:t>友</a:t>
-            </a:r>
-            <a:r>
-              <a:rPr lang="en-US" altLang="zh-CN" sz="5400" b="1" dirty="0" smtClean="0">
+              <a:rPr lang="zh-CN" altLang="en-US" sz="6400" b="1" dirty="0">
+                <a:solidFill>
+                  <a:srgbClr val="660033"/>
+                </a:solidFill>
+                <a:latin typeface="微軟正黑體" pitchFamily="34" charset="-120"/>
+                <a:ea typeface="微軟正黑體" pitchFamily="34" charset="-120"/>
+              </a:rPr>
+              <a:t>若要得耶穌喜樂</a:t>
+            </a:r>
+            <a:r>
+              <a:rPr lang="en-US" altLang="zh-CN" sz="6400" b="1" dirty="0">
                 <a:solidFill>
                   <a:srgbClr val="660033"/>
                 </a:solidFill>
@@ -4734,26 +4815,16 @@
               <a:t>  </a:t>
             </a:r>
             <a:r>
-              <a:rPr lang="zh-CN" altLang="en-US" sz="5400" b="1" dirty="0" smtClean="0">
-                <a:solidFill>
-                  <a:srgbClr val="660033"/>
-                </a:solidFill>
-                <a:latin typeface="微軟正黑體" pitchFamily="34" charset="-120"/>
-                <a:ea typeface="微軟正黑體" pitchFamily="34" charset="-120"/>
-              </a:rPr>
-              <a:t>我</a:t>
-            </a:r>
-            <a:r>
-              <a:rPr lang="zh-CN" altLang="en-US" sz="5400" b="1" dirty="0">
-                <a:solidFill>
-                  <a:srgbClr val="660033"/>
-                </a:solidFill>
-                <a:latin typeface="微軟正黑體" pitchFamily="34" charset="-120"/>
-                <a:ea typeface="微軟正黑體" pitchFamily="34" charset="-120"/>
-              </a:rPr>
-              <a:t>可常向主求</a:t>
-            </a:r>
-            <a:endParaRPr lang="en-US" altLang="zh-CN" sz="5400" b="1" dirty="0">
+              <a:rPr lang="zh-CN" altLang="en-US" sz="6400" b="1" dirty="0">
+                <a:solidFill>
+                  <a:srgbClr val="660033"/>
+                </a:solidFill>
+                <a:latin typeface="微軟正黑體" pitchFamily="34" charset="-120"/>
+                <a:ea typeface="微軟正黑體" pitchFamily="34" charset="-120"/>
+              </a:rPr>
+              <a:t>必要信靠順服</a:t>
+            </a:r>
+            <a:endParaRPr lang="en-US" altLang="zh-CN" sz="6400" b="1" dirty="0">
               <a:solidFill>
                 <a:srgbClr val="660033"/>
               </a:solidFill>
@@ -4761,168 +4832,25 @@
               <a:ea typeface="微軟正黑體" pitchFamily="34" charset="-120"/>
             </a:endParaRPr>
           </a:p>
-          <a:p>
-            <a:pPr algn="ctr">
-              <a:buNone/>
-            </a:pPr>
-            <a:r>
-              <a:rPr lang="zh-CN" altLang="en-US" sz="5400" b="1" dirty="0">
-                <a:solidFill>
-                  <a:srgbClr val="660033"/>
-                </a:solidFill>
-                <a:latin typeface="微軟正黑體" pitchFamily="34" charset="-120"/>
-                <a:ea typeface="微軟正黑體" pitchFamily="34" charset="-120"/>
-              </a:rPr>
-              <a:t>救主攜我手一路同</a:t>
-            </a:r>
-            <a:r>
-              <a:rPr lang="zh-CN" altLang="en-US" sz="5400" b="1" dirty="0" smtClean="0">
-                <a:solidFill>
-                  <a:srgbClr val="660033"/>
-                </a:solidFill>
-                <a:latin typeface="微軟正黑體" pitchFamily="34" charset="-120"/>
-                <a:ea typeface="微軟正黑體" pitchFamily="34" charset="-120"/>
-              </a:rPr>
-              <a:t>走</a:t>
-            </a:r>
-            <a:endParaRPr lang="en-US" altLang="zh-CN" sz="5400" b="1" dirty="0" smtClean="0">
-              <a:solidFill>
-                <a:srgbClr val="660033"/>
-              </a:solidFill>
-              <a:latin typeface="微軟正黑體" pitchFamily="34" charset="-120"/>
-              <a:ea typeface="微軟正黑體" pitchFamily="34" charset="-120"/>
-            </a:endParaRPr>
-          </a:p>
-          <a:p>
-            <a:pPr algn="ctr">
-              <a:buNone/>
-            </a:pPr>
-            <a:r>
-              <a:rPr lang="zh-CN" altLang="en-US" sz="5400" b="1" dirty="0">
-                <a:solidFill>
-                  <a:srgbClr val="660033"/>
-                </a:solidFill>
-                <a:latin typeface="微軟正黑體" pitchFamily="34" charset="-120"/>
-                <a:ea typeface="微軟正黑體" pitchFamily="34" charset="-120"/>
-              </a:rPr>
-              <a:t>主吩咐我就</a:t>
-            </a:r>
-            <a:r>
-              <a:rPr lang="zh-CN" altLang="en-US" sz="5400" b="1" dirty="0" smtClean="0">
-                <a:solidFill>
-                  <a:srgbClr val="660033"/>
-                </a:solidFill>
-                <a:latin typeface="微軟正黑體" pitchFamily="34" charset="-120"/>
-                <a:ea typeface="微軟正黑體" pitchFamily="34" charset="-120"/>
-              </a:rPr>
-              <a:t>遵  主</a:t>
-            </a:r>
-            <a:r>
-              <a:rPr lang="zh-CN" altLang="en-US" sz="5400" b="1" dirty="0">
-                <a:solidFill>
-                  <a:srgbClr val="660033"/>
-                </a:solidFill>
-                <a:latin typeface="微軟正黑體" pitchFamily="34" charset="-120"/>
-                <a:ea typeface="微軟正黑體" pitchFamily="34" charset="-120"/>
-              </a:rPr>
-              <a:t>差遣我就行</a:t>
-            </a:r>
-            <a:endParaRPr lang="en-US" altLang="zh-CN" sz="5400" b="1" dirty="0">
-              <a:solidFill>
-                <a:srgbClr val="660033"/>
-              </a:solidFill>
-              <a:latin typeface="微軟正黑體" pitchFamily="34" charset="-120"/>
-              <a:ea typeface="微軟正黑體" pitchFamily="34" charset="-120"/>
-            </a:endParaRPr>
-          </a:p>
-          <a:p>
-            <a:pPr algn="ctr">
-              <a:buNone/>
-            </a:pPr>
-            <a:r>
-              <a:rPr lang="zh-CN" altLang="en-US" sz="5400" b="1" dirty="0">
-                <a:solidFill>
-                  <a:srgbClr val="660033"/>
-                </a:solidFill>
-                <a:latin typeface="微軟正黑體" pitchFamily="34" charset="-120"/>
-                <a:ea typeface="微軟正黑體" pitchFamily="34" charset="-120"/>
-              </a:rPr>
-              <a:t>信靠順服人終必成就</a:t>
-            </a:r>
-            <a:endParaRPr lang="zh-TW" altLang="en-US" sz="5400" b="1" dirty="0">
-              <a:solidFill>
-                <a:srgbClr val="660033"/>
-              </a:solidFill>
-              <a:latin typeface="微軟正黑體" pitchFamily="34" charset="-120"/>
-              <a:ea typeface="微軟正黑體" pitchFamily="34" charset="-120"/>
-            </a:endParaRPr>
-          </a:p>
-          <a:p>
-            <a:pPr algn="ctr">
-              <a:buNone/>
-            </a:pPr>
-            <a:endParaRPr lang="zh-TW" altLang="en-US" sz="5400" b="1" dirty="0">
-              <a:solidFill>
-                <a:srgbClr val="660033"/>
-              </a:solidFill>
-              <a:latin typeface="微軟正黑體" pitchFamily="34" charset="-120"/>
-              <a:ea typeface="微軟正黑體" pitchFamily="34" charset="-120"/>
-            </a:endParaRPr>
-          </a:p>
-        </p:txBody>
-      </p:sp>
-      <p:sp>
-        <p:nvSpPr>
-          <p:cNvPr id="2" name="TextBox 1"/>
-          <p:cNvSpPr txBox="1"/>
-          <p:nvPr/>
-        </p:nvSpPr>
-        <p:spPr>
-          <a:xfrm>
-            <a:off x="695400" y="1988840"/>
-            <a:ext cx="792088" cy="769441"/>
-          </a:xfrm>
-          <a:prstGeom prst="rect">
-            <a:avLst/>
-          </a:prstGeom>
-          <a:noFill/>
-        </p:spPr>
-        <p:txBody>
-          <a:bodyPr wrap="square" rtlCol="0">
-            <a:spAutoFit/>
-          </a:bodyPr>
-          <a:lstStyle/>
-          <a:p>
-            <a:r>
-              <a:rPr lang="en-US" sz="4400" b="1" dirty="0" smtClean="0">
-                <a:solidFill>
-                  <a:srgbClr val="660033"/>
-                </a:solidFill>
-                <a:latin typeface="微軟正黑體" pitchFamily="34" charset="-120"/>
-                <a:ea typeface="微軟正黑體" pitchFamily="34" charset="-120"/>
-              </a:rPr>
-              <a:t>4.</a:t>
-            </a:r>
-            <a:endParaRPr lang="vi-VN" sz="4400" b="1" dirty="0">
-              <a:solidFill>
-                <a:srgbClr val="660033"/>
-              </a:solidFill>
-              <a:latin typeface="微軟正黑體" pitchFamily="34" charset="-120"/>
-              <a:ea typeface="微軟正黑體" pitchFamily="34" charset="-120"/>
-            </a:endParaRPr>
-          </a:p>
         </p:txBody>
       </p:sp>
     </p:spTree>
     <p:extLst>
       <p:ext uri="{BB962C8B-B14F-4D97-AF65-F5344CB8AC3E}">
-        <p14:creationId xmlns:p14="http://schemas.microsoft.com/office/powerpoint/2010/main" val="4024504617"/>
+        <p14:creationId xmlns:p14="http://schemas.microsoft.com/office/powerpoint/2010/main" val="2776497905"/>
       </p:ext>
     </p:extLst>
   </p:cSld>
   <p:clrMapOvr>
     <a:masterClrMapping/>
   </p:clrMapOvr>
+  <p:timing>
+    <p:tnLst>
+      <p:par>
+        <p:cTn id="1" dur="indefinite" restart="never" nodeType="tmRoot"/>
+      </p:par>
+    </p:tnLst>
+  </p:timing>
 </p:sld>
 </file>
 
@@ -4945,37 +4873,60 @@
       </p:grpSpPr>
       <p:sp>
         <p:nvSpPr>
-          <p:cNvPr id="4" name="標題 3"/>
-          <p:cNvSpPr>
-            <a:spLocks noGrp="1"/>
-          </p:cNvSpPr>
-          <p:nvPr>
-            <p:ph type="title"/>
+          <p:cNvPr id="5" name="內容版面配置區 4"/>
+          <p:cNvSpPr>
+            <a:spLocks noGrp="1"/>
+          </p:cNvSpPr>
+          <p:nvPr>
+            <p:ph idx="1"/>
           </p:nvPr>
         </p:nvSpPr>
         <p:spPr>
           <a:xfrm>
-            <a:off x="0" y="274638"/>
-            <a:ext cx="12192000" cy="1143000"/>
+            <a:off x="0" y="2084853"/>
+            <a:ext cx="12192000" cy="2404863"/>
           </a:xfrm>
         </p:spPr>
         <p:txBody>
-          <a:bodyPr>
+          <a:bodyPr anchor="ctr">
             <a:normAutofit/>
           </a:bodyPr>
           <a:lstStyle/>
           <a:p>
-            <a:r>
-              <a:rPr lang="zh-CN" altLang="en-US" sz="4800" b="1" dirty="0" smtClean="0">
-                <a:solidFill>
-                  <a:srgbClr val="660033"/>
-                </a:solidFill>
-                <a:latin typeface="微軟正黑體" pitchFamily="34" charset="-120"/>
-                <a:ea typeface="微軟正黑體" pitchFamily="34" charset="-120"/>
-              </a:rPr>
-              <a:t>信靠順服</a:t>
-            </a:r>
-            <a:endParaRPr lang="zh-TW" altLang="en-US" sz="4800" b="1" dirty="0">
+            <a:pPr algn="ctr">
+              <a:buNone/>
+            </a:pPr>
+            <a:r>
+              <a:rPr lang="zh-CN" altLang="en-US" sz="6400" b="1" dirty="0">
+                <a:solidFill>
+                  <a:srgbClr val="660033"/>
+                </a:solidFill>
+                <a:latin typeface="微軟正黑體" pitchFamily="34" charset="-120"/>
+                <a:ea typeface="微軟正黑體" pitchFamily="34" charset="-120"/>
+              </a:rPr>
+              <a:t>不要背負重擔</a:t>
+            </a:r>
+            <a:r>
+              <a:rPr lang="en-US" altLang="zh-CN" sz="6400" b="1" dirty="0">
+                <a:solidFill>
+                  <a:srgbClr val="660033"/>
+                </a:solidFill>
+                <a:latin typeface="微軟正黑體" pitchFamily="34" charset="-120"/>
+                <a:ea typeface="微軟正黑體" pitchFamily="34" charset="-120"/>
+              </a:rPr>
+              <a:t>  </a:t>
+            </a:r>
+            <a:r>
+              <a:rPr lang="zh-CN" altLang="en-US" sz="6400" b="1" dirty="0">
+                <a:solidFill>
+                  <a:srgbClr val="660033"/>
+                </a:solidFill>
+                <a:latin typeface="微軟正黑體" pitchFamily="34" charset="-120"/>
+                <a:ea typeface="微軟正黑體" pitchFamily="34" charset="-120"/>
+              </a:rPr>
+              <a:t>不要憂愁悲哀</a:t>
+            </a:r>
+            <a:endParaRPr lang="en-US" altLang="zh-CN" sz="6400" b="1" dirty="0">
               <a:solidFill>
                 <a:srgbClr val="660033"/>
               </a:solidFill>
@@ -4983,44 +4934,21 @@
               <a:ea typeface="微軟正黑體" pitchFamily="34" charset="-120"/>
             </a:endParaRPr>
           </a:p>
-        </p:txBody>
-      </p:sp>
-      <p:sp>
-        <p:nvSpPr>
-          <p:cNvPr id="5" name="內容版面配置區 4"/>
-          <p:cNvSpPr>
-            <a:spLocks noGrp="1"/>
-          </p:cNvSpPr>
-          <p:nvPr>
-            <p:ph idx="1"/>
-          </p:nvPr>
-        </p:nvSpPr>
-        <p:spPr>
-          <a:xfrm>
-            <a:off x="0" y="1844824"/>
-            <a:ext cx="12192000" cy="5013176"/>
-          </a:xfrm>
-        </p:spPr>
-        <p:txBody>
-          <a:bodyPr>
-            <a:normAutofit/>
-          </a:bodyPr>
-          <a:lstStyle/>
           <a:p>
             <a:pPr algn="ctr">
               <a:buNone/>
             </a:pPr>
             <a:r>
-              <a:rPr lang="zh-CN" altLang="en-US" sz="5400" b="1" dirty="0">
-                <a:solidFill>
-                  <a:srgbClr val="660033"/>
-                </a:solidFill>
-                <a:latin typeface="微軟正黑體" pitchFamily="34" charset="-120"/>
-                <a:ea typeface="微軟正黑體" pitchFamily="34" charset="-120"/>
-              </a:rPr>
-              <a:t>信靠順服</a:t>
-            </a:r>
-            <a:endParaRPr lang="en-US" altLang="zh-CN" sz="5400" b="1" dirty="0">
+              <a:rPr lang="zh-CN" altLang="en-US" sz="6400" b="1" dirty="0">
+                <a:solidFill>
+                  <a:srgbClr val="660033"/>
+                </a:solidFill>
+                <a:latin typeface="微軟正黑體" pitchFamily="34" charset="-120"/>
+                <a:ea typeface="微軟正黑體" pitchFamily="34" charset="-120"/>
+              </a:rPr>
+              <a:t>一切勞苦主都能代替</a:t>
+            </a:r>
+            <a:endParaRPr lang="en-US" altLang="zh-CN" sz="6400" b="1" dirty="0">
               <a:solidFill>
                 <a:srgbClr val="660033"/>
               </a:solidFill>
@@ -5028,21 +4956,156 @@
               <a:ea typeface="微軟正黑體" pitchFamily="34" charset="-120"/>
             </a:endParaRPr>
           </a:p>
+        </p:txBody>
+      </p:sp>
+      <p:sp>
+        <p:nvSpPr>
+          <p:cNvPr id="3" name="TextBox 2"/>
+          <p:cNvSpPr txBox="1"/>
+          <p:nvPr/>
+        </p:nvSpPr>
+        <p:spPr>
+          <a:xfrm>
+            <a:off x="0" y="5253205"/>
+            <a:ext cx="12192000" cy="830997"/>
+          </a:xfrm>
+          <a:prstGeom prst="rect">
+            <a:avLst/>
+          </a:prstGeom>
+          <a:noFill/>
+        </p:spPr>
+        <p:txBody>
+          <a:bodyPr wrap="square" rtlCol="0">
+            <a:spAutoFit/>
+          </a:bodyPr>
+          <a:lstStyle/>
+          <a:p>
+            <a:pPr algn="ctr"/>
+            <a:r>
+              <a:rPr lang="en-US" sz="4800" b="1" dirty="0">
+                <a:solidFill>
+                  <a:srgbClr val="660033"/>
+                </a:solidFill>
+              </a:rPr>
+              <a:t>( </a:t>
+            </a:r>
+            <a:r>
+              <a:rPr lang="en-US" sz="4800" b="1" dirty="0">
+                <a:solidFill>
+                  <a:srgbClr val="660033"/>
+                </a:solidFill>
+              </a:rPr>
+              <a:t>3 </a:t>
+            </a:r>
+            <a:r>
+              <a:rPr lang="en-US" sz="4800" b="1" dirty="0">
+                <a:solidFill>
+                  <a:srgbClr val="660033"/>
+                </a:solidFill>
+              </a:rPr>
+              <a:t>)</a:t>
+            </a:r>
+            <a:endParaRPr lang="vi-VN" sz="4800" b="1" dirty="0">
+              <a:solidFill>
+                <a:srgbClr val="660033"/>
+              </a:solidFill>
+            </a:endParaRPr>
+          </a:p>
+        </p:txBody>
+      </p:sp>
+    </p:spTree>
+    <p:extLst>
+      <p:ext uri="{BB962C8B-B14F-4D97-AF65-F5344CB8AC3E}">
+        <p14:creationId xmlns:p14="http://schemas.microsoft.com/office/powerpoint/2010/main" val="3287457001"/>
+      </p:ext>
+    </p:extLst>
+  </p:cSld>
+  <p:clrMapOvr>
+    <a:masterClrMapping/>
+  </p:clrMapOvr>
+  <p:timing>
+    <p:tnLst>
+      <p:par>
+        <p:cTn id="1" dur="indefinite" restart="never" nodeType="tmRoot"/>
+      </p:par>
+    </p:tnLst>
+  </p:timing>
+</p:sld>
+</file>
+
+<file path=ppt/slides/slide9.xml><?xml version="1.0" encoding="utf-8"?>
+<p:sld xmlns:a="http://schemas.openxmlformats.org/drawingml/2006/main" xmlns:r="http://schemas.openxmlformats.org/officeDocument/2006/relationships" xmlns:p="http://schemas.openxmlformats.org/presentationml/2006/main">
+  <p:cSld>
+    <p:spTree>
+      <p:nvGrpSpPr>
+        <p:cNvPr id="1" name=""/>
+        <p:cNvGrpSpPr/>
+        <p:nvPr/>
+      </p:nvGrpSpPr>
+      <p:grpSpPr>
+        <a:xfrm>
+          <a:off x="0" y="0"/>
+          <a:ext cx="0" cy="0"/>
+          <a:chOff x="0" y="0"/>
+          <a:chExt cx="0" cy="0"/>
+        </a:xfrm>
+      </p:grpSpPr>
+      <p:sp>
+        <p:nvSpPr>
+          <p:cNvPr id="5" name="內容版面配置區 4"/>
+          <p:cNvSpPr>
+            <a:spLocks noGrp="1"/>
+          </p:cNvSpPr>
+          <p:nvPr>
+            <p:ph idx="1"/>
+          </p:nvPr>
+        </p:nvSpPr>
+        <p:spPr>
+          <a:xfrm>
+            <a:off x="0" y="2084853"/>
+            <a:ext cx="12192000" cy="2404863"/>
+          </a:xfrm>
+        </p:spPr>
+        <p:txBody>
+          <a:bodyPr anchor="ctr">
+            <a:normAutofit/>
+          </a:bodyPr>
+          <a:lstStyle/>
           <a:p>
             <a:pPr algn="ctr">
               <a:buNone/>
             </a:pPr>
             <a:r>
-              <a:rPr lang="zh-CN" altLang="en-US" sz="5400" b="1" dirty="0">
-                <a:solidFill>
-                  <a:srgbClr val="660033"/>
-                </a:solidFill>
-                <a:latin typeface="微軟正黑體" pitchFamily="34" charset="-120"/>
-                <a:ea typeface="微軟正黑體" pitchFamily="34" charset="-120"/>
-              </a:rPr>
-              <a:t>以外並無別法</a:t>
-            </a:r>
-            <a:endParaRPr lang="en-US" altLang="zh-CN" sz="5400" b="1" dirty="0">
+              <a:rPr lang="zh-CN" altLang="en-US" sz="6400" b="1" dirty="0">
+                <a:solidFill>
+                  <a:srgbClr val="660033"/>
+                </a:solidFill>
+                <a:latin typeface="微軟正黑體" pitchFamily="34" charset="-120"/>
+                <a:ea typeface="微軟正黑體" pitchFamily="34" charset="-120"/>
+              </a:rPr>
+              <a:t>無有傷心眼淚</a:t>
+            </a:r>
+            <a:r>
+              <a:rPr lang="en-US" altLang="zh-CN" sz="6400" b="1" dirty="0">
+                <a:solidFill>
+                  <a:srgbClr val="660033"/>
+                </a:solidFill>
+                <a:latin typeface="微軟正黑體" pitchFamily="34" charset="-120"/>
+                <a:ea typeface="微軟正黑體" pitchFamily="34" charset="-120"/>
+              </a:rPr>
+              <a:t>  </a:t>
+            </a:r>
+            <a:r>
+              <a:rPr lang="zh-CN" altLang="en-US" sz="6400" b="1" dirty="0">
+                <a:solidFill>
+                  <a:srgbClr val="660033"/>
+                </a:solidFill>
+                <a:latin typeface="微軟正黑體" pitchFamily="34" charset="-120"/>
+                <a:ea typeface="微軟正黑體" pitchFamily="34" charset="-120"/>
+              </a:rPr>
+              <a:t>無有怨恨怒氣</a:t>
+            </a:r>
+            <a:endParaRPr lang="en-US" altLang="zh-CN" sz="6400" b="1" dirty="0">
               <a:solidFill>
                 <a:srgbClr val="660033"/>
               </a:solidFill>
@@ -5055,16 +5118,16 @@
               <a:buNone/>
             </a:pPr>
             <a:r>
-              <a:rPr lang="zh-CN" altLang="en-US" sz="5400" b="1" dirty="0">
-                <a:solidFill>
-                  <a:srgbClr val="660033"/>
-                </a:solidFill>
-                <a:latin typeface="微軟正黑體" pitchFamily="34" charset="-120"/>
-                <a:ea typeface="微軟正黑體" pitchFamily="34" charset="-120"/>
-              </a:rPr>
-              <a:t>若要得耶穌喜樂</a:t>
-            </a:r>
-            <a:endParaRPr lang="en-US" altLang="zh-CN" sz="5400" b="1" dirty="0">
+              <a:rPr lang="zh-CN" altLang="en-US" sz="6400" b="1" dirty="0">
+                <a:solidFill>
+                  <a:srgbClr val="660033"/>
+                </a:solidFill>
+                <a:latin typeface="微軟正黑體" pitchFamily="34" charset="-120"/>
+                <a:ea typeface="微軟正黑體" pitchFamily="34" charset="-120"/>
+              </a:rPr>
+              <a:t>信靠順服人全受福氣</a:t>
+            </a:r>
+            <a:endParaRPr lang="zh-TW" altLang="en-US" sz="6400" b="1" dirty="0">
               <a:solidFill>
                 <a:srgbClr val="660033"/>
               </a:solidFill>
@@ -5072,26 +5135,59 @@
               <a:ea typeface="微軟正黑體" pitchFamily="34" charset="-120"/>
             </a:endParaRPr>
           </a:p>
-          <a:p>
-            <a:pPr algn="ctr">
-              <a:buNone/>
-            </a:pPr>
-            <a:r>
-              <a:rPr lang="zh-CN" altLang="en-US" sz="5400" b="1" dirty="0">
-                <a:solidFill>
-                  <a:srgbClr val="660033"/>
-                </a:solidFill>
-                <a:latin typeface="微軟正黑體" pitchFamily="34" charset="-120"/>
-                <a:ea typeface="微軟正黑體" pitchFamily="34" charset="-120"/>
-              </a:rPr>
-              <a:t>必要信靠順服</a:t>
-            </a:r>
-            <a:endParaRPr lang="en-US" altLang="zh-CN" sz="5400" b="1" dirty="0">
+        </p:txBody>
+      </p:sp>
+      <p:sp>
+        <p:nvSpPr>
+          <p:cNvPr id="3" name="TextBox 2"/>
+          <p:cNvSpPr txBox="1"/>
+          <p:nvPr/>
+        </p:nvSpPr>
+        <p:spPr>
+          <a:xfrm>
+            <a:off x="0" y="5253205"/>
+            <a:ext cx="12192000" cy="830997"/>
+          </a:xfrm>
+          <a:prstGeom prst="rect">
+            <a:avLst/>
+          </a:prstGeom>
+          <a:noFill/>
+        </p:spPr>
+        <p:txBody>
+          <a:bodyPr wrap="square" rtlCol="0">
+            <a:spAutoFit/>
+          </a:bodyPr>
+          <a:lstStyle/>
+          <a:p>
+            <a:pPr algn="ctr"/>
+            <a:r>
+              <a:rPr lang="en-US" sz="4800" b="1" dirty="0">
+                <a:solidFill>
+                  <a:srgbClr val="660033"/>
+                </a:solidFill>
+              </a:rPr>
+              <a:t>( </a:t>
+            </a:r>
+            <a:r>
+              <a:rPr lang="en-US" sz="4800" b="1" dirty="0">
+                <a:solidFill>
+                  <a:srgbClr val="660033"/>
+                </a:solidFill>
+              </a:rPr>
+              <a:t>3 </a:t>
+            </a:r>
+            <a:r>
+              <a:rPr lang="en-US" sz="4800" b="1" dirty="0">
+                <a:solidFill>
+                  <a:srgbClr val="660033"/>
+                </a:solidFill>
+              </a:rPr>
+              <a:t>)</a:t>
+            </a:r>
+            <a:endParaRPr lang="vi-VN" sz="4800" b="1" dirty="0">
               <a:solidFill>
                 <a:srgbClr val="660033"/>
               </a:solidFill>
-              <a:latin typeface="微軟正黑體" pitchFamily="34" charset="-120"/>
-              <a:ea typeface="微軟正黑體" pitchFamily="34" charset="-120"/>
             </a:endParaRPr>
           </a:p>
         </p:txBody>
@@ -5099,13 +5195,20 @@
     </p:spTree>
     <p:extLst>
       <p:ext uri="{BB962C8B-B14F-4D97-AF65-F5344CB8AC3E}">
-        <p14:creationId xmlns:p14="http://schemas.microsoft.com/office/powerpoint/2010/main" val="2787054117"/>
+        <p14:creationId xmlns:p14="http://schemas.microsoft.com/office/powerpoint/2010/main" val="3975347528"/>
       </p:ext>
     </p:extLst>
   </p:cSld>
   <p:clrMapOvr>
     <a:masterClrMapping/>
   </p:clrMapOvr>
+  <p:timing>
+    <p:tnLst>
+      <p:par>
+        <p:cTn id="1" dur="indefinite" restart="never" nodeType="tmRoot"/>
+      </p:par>
+    </p:tnLst>
+  </p:timing>
 </p:sld>
 </file>
 

--- a/宣道詩/(宣道詩80)信靠順服.pptx
+++ b/宣道詩/(宣道詩80)信靠順服.pptx
@@ -317,7 +317,7 @@
             <a:fld id="{A390BB82-1436-414E-953E-AA268D099EB7}" type="datetimeFigureOut">
               <a:rPr lang="zh-TW" altLang="en-US" smtClean="0"/>
               <a:pPr/>
-              <a:t>2021/3/6</a:t>
+              <a:t>2021/6/16</a:t>
             </a:fld>
             <a:endParaRPr lang="zh-TW" altLang="en-US"/>
           </a:p>
@@ -484,7 +484,7 @@
             <a:fld id="{A390BB82-1436-414E-953E-AA268D099EB7}" type="datetimeFigureOut">
               <a:rPr lang="zh-TW" altLang="en-US" smtClean="0"/>
               <a:pPr/>
-              <a:t>2021/3/6</a:t>
+              <a:t>2021/6/16</a:t>
             </a:fld>
             <a:endParaRPr lang="zh-TW" altLang="en-US"/>
           </a:p>
@@ -661,7 +661,7 @@
             <a:fld id="{A390BB82-1436-414E-953E-AA268D099EB7}" type="datetimeFigureOut">
               <a:rPr lang="zh-TW" altLang="en-US" smtClean="0"/>
               <a:pPr/>
-              <a:t>2021/3/6</a:t>
+              <a:t>2021/6/16</a:t>
             </a:fld>
             <a:endParaRPr lang="zh-TW" altLang="en-US"/>
           </a:p>
@@ -828,7 +828,7 @@
             <a:fld id="{A390BB82-1436-414E-953E-AA268D099EB7}" type="datetimeFigureOut">
               <a:rPr lang="zh-TW" altLang="en-US" smtClean="0"/>
               <a:pPr/>
-              <a:t>2021/3/6</a:t>
+              <a:t>2021/6/16</a:t>
             </a:fld>
             <a:endParaRPr lang="zh-TW" altLang="en-US"/>
           </a:p>
@@ -1071,7 +1071,7 @@
             <a:fld id="{A390BB82-1436-414E-953E-AA268D099EB7}" type="datetimeFigureOut">
               <a:rPr lang="zh-TW" altLang="en-US" smtClean="0"/>
               <a:pPr/>
-              <a:t>2021/3/6</a:t>
+              <a:t>2021/6/16</a:t>
             </a:fld>
             <a:endParaRPr lang="zh-TW" altLang="en-US"/>
           </a:p>
@@ -1356,7 +1356,7 @@
             <a:fld id="{A390BB82-1436-414E-953E-AA268D099EB7}" type="datetimeFigureOut">
               <a:rPr lang="zh-TW" altLang="en-US" smtClean="0"/>
               <a:pPr/>
-              <a:t>2021/3/6</a:t>
+              <a:t>2021/6/16</a:t>
             </a:fld>
             <a:endParaRPr lang="zh-TW" altLang="en-US"/>
           </a:p>
@@ -1775,7 +1775,7 @@
             <a:fld id="{A390BB82-1436-414E-953E-AA268D099EB7}" type="datetimeFigureOut">
               <a:rPr lang="zh-TW" altLang="en-US" smtClean="0"/>
               <a:pPr/>
-              <a:t>2021/3/6</a:t>
+              <a:t>2021/6/16</a:t>
             </a:fld>
             <a:endParaRPr lang="zh-TW" altLang="en-US"/>
           </a:p>
@@ -1890,7 +1890,7 @@
             <a:fld id="{A390BB82-1436-414E-953E-AA268D099EB7}" type="datetimeFigureOut">
               <a:rPr lang="zh-TW" altLang="en-US" smtClean="0"/>
               <a:pPr/>
-              <a:t>2021/3/6</a:t>
+              <a:t>2021/6/16</a:t>
             </a:fld>
             <a:endParaRPr lang="zh-TW" altLang="en-US"/>
           </a:p>
@@ -1982,7 +1982,7 @@
             <a:fld id="{A390BB82-1436-414E-953E-AA268D099EB7}" type="datetimeFigureOut">
               <a:rPr lang="zh-TW" altLang="en-US" smtClean="0"/>
               <a:pPr/>
-              <a:t>2021/3/6</a:t>
+              <a:t>2021/6/16</a:t>
             </a:fld>
             <a:endParaRPr lang="zh-TW" altLang="en-US"/>
           </a:p>
@@ -2256,7 +2256,7 @@
             <a:fld id="{A390BB82-1436-414E-953E-AA268D099EB7}" type="datetimeFigureOut">
               <a:rPr lang="zh-TW" altLang="en-US" smtClean="0"/>
               <a:pPr/>
-              <a:t>2021/3/6</a:t>
+              <a:t>2021/6/16</a:t>
             </a:fld>
             <a:endParaRPr lang="zh-TW" altLang="en-US"/>
           </a:p>
@@ -2510,7 +2510,7 @@
             <a:fld id="{A390BB82-1436-414E-953E-AA268D099EB7}" type="datetimeFigureOut">
               <a:rPr lang="zh-TW" altLang="en-US" smtClean="0"/>
               <a:pPr/>
-              <a:t>2021/3/6</a:t>
+              <a:t>2021/6/16</a:t>
             </a:fld>
             <a:endParaRPr lang="zh-TW" altLang="en-US"/>
           </a:p>
@@ -2725,7 +2725,7 @@
             <a:fld id="{A390BB82-1436-414E-953E-AA268D099EB7}" type="datetimeFigureOut">
               <a:rPr lang="zh-TW" altLang="en-US" smtClean="0"/>
               <a:pPr/>
-              <a:t>2021/3/6</a:t>
+              <a:t>2021/6/16</a:t>
             </a:fld>
             <a:endParaRPr lang="zh-TW" altLang="en-US"/>
           </a:p>
@@ -3108,7 +3108,7 @@
         </p:nvSpPr>
         <p:spPr>
           <a:xfrm>
-            <a:off x="0" y="2756925"/>
+            <a:off x="0" y="2636912"/>
             <a:ext cx="12192000" cy="1143000"/>
           </a:xfrm>
         </p:spPr>
@@ -3200,24 +3200,7 @@
                 <a:latin typeface="微軟正黑體" pitchFamily="34" charset="-120"/>
                 <a:ea typeface="微軟正黑體" pitchFamily="34" charset="-120"/>
               </a:rPr>
-              <a:t>信</a:t>
-            </a:r>
-            <a:r>
-              <a:rPr lang="zh-CN" altLang="en-US" sz="8000" b="1" dirty="0">
-                <a:solidFill>
-                  <a:srgbClr val="660033"/>
-                </a:solidFill>
-                <a:effectLst>
-                  <a:outerShdw blurRad="38100" dist="38100" dir="2700000" algn="tl">
-                    <a:srgbClr val="000000">
-                      <a:alpha val="43137"/>
-                    </a:srgbClr>
-                  </a:outerShdw>
-                </a:effectLst>
-                <a:latin typeface="微軟正黑體" pitchFamily="34" charset="-120"/>
-                <a:ea typeface="微軟正黑體" pitchFamily="34" charset="-120"/>
-              </a:rPr>
-              <a:t>靠順服</a:t>
+              <a:t>信靠順服</a:t>
             </a:r>
             <a:endParaRPr lang="zh-TW" altLang="en-US" sz="8000" b="1" dirty="0">
               <a:solidFill>
@@ -3533,23 +3516,7 @@
                   <a:srgbClr val="660033"/>
                 </a:solidFill>
               </a:rPr>
-              <a:t>( </a:t>
-            </a:r>
-            <a:r>
-              <a:rPr lang="en-US" sz="4800" b="1" dirty="0">
-                <a:solidFill>
-                  <a:srgbClr val="660033"/>
-                </a:solidFill>
-              </a:rPr>
-              <a:t>4 </a:t>
-            </a:r>
-            <a:r>
-              <a:rPr lang="en-US" sz="4800" b="1" dirty="0">
-                <a:solidFill>
-                  <a:srgbClr val="660033"/>
-                </a:solidFill>
-              </a:rPr>
-              <a:t>)</a:t>
+              <a:t>( 4 )</a:t>
             </a:r>
             <a:endParaRPr lang="vi-VN" sz="4800" b="1" dirty="0">
               <a:solidFill>
@@ -3692,23 +3659,7 @@
                   <a:srgbClr val="660033"/>
                 </a:solidFill>
               </a:rPr>
-              <a:t>( </a:t>
-            </a:r>
-            <a:r>
-              <a:rPr lang="en-US" sz="4800" b="1" dirty="0">
-                <a:solidFill>
-                  <a:srgbClr val="660033"/>
-                </a:solidFill>
-              </a:rPr>
-              <a:t>4 </a:t>
-            </a:r>
-            <a:r>
-              <a:rPr lang="en-US" sz="4800" b="1" dirty="0">
-                <a:solidFill>
-                  <a:srgbClr val="660033"/>
-                </a:solidFill>
-              </a:rPr>
-              <a:t>)</a:t>
+              <a:t>( 4 )</a:t>
             </a:r>
             <a:endParaRPr lang="vi-VN" sz="4800" b="1" dirty="0">
               <a:solidFill>
@@ -4485,23 +4436,7 @@
                   <a:srgbClr val="660033"/>
                 </a:solidFill>
               </a:rPr>
-              <a:t>( </a:t>
-            </a:r>
-            <a:r>
-              <a:rPr lang="en-US" sz="4800" b="1" dirty="0">
-                <a:solidFill>
-                  <a:srgbClr val="660033"/>
-                </a:solidFill>
-              </a:rPr>
-              <a:t>2 </a:t>
-            </a:r>
-            <a:r>
-              <a:rPr lang="en-US" sz="4800" b="1" dirty="0">
-                <a:solidFill>
-                  <a:srgbClr val="660033"/>
-                </a:solidFill>
-              </a:rPr>
-              <a:t>)</a:t>
+              <a:t>( 2 )</a:t>
             </a:r>
             <a:endParaRPr lang="vi-VN" sz="4800" b="1" dirty="0">
               <a:solidFill>
@@ -4664,23 +4599,7 @@
                   <a:srgbClr val="660033"/>
                 </a:solidFill>
               </a:rPr>
-              <a:t>( </a:t>
-            </a:r>
-            <a:r>
-              <a:rPr lang="en-US" sz="4800" b="1" dirty="0">
-                <a:solidFill>
-                  <a:srgbClr val="660033"/>
-                </a:solidFill>
-              </a:rPr>
-              <a:t>2 </a:t>
-            </a:r>
-            <a:r>
-              <a:rPr lang="en-US" sz="4800" b="1" dirty="0">
-                <a:solidFill>
-                  <a:srgbClr val="660033"/>
-                </a:solidFill>
-              </a:rPr>
-              <a:t>)</a:t>
+              <a:t>( 2 )</a:t>
             </a:r>
             <a:endParaRPr lang="vi-VN" sz="4800" b="1" dirty="0">
               <a:solidFill>
@@ -4987,23 +4906,7 @@
                   <a:srgbClr val="660033"/>
                 </a:solidFill>
               </a:rPr>
-              <a:t>( </a:t>
-            </a:r>
-            <a:r>
-              <a:rPr lang="en-US" sz="4800" b="1" dirty="0">
-                <a:solidFill>
-                  <a:srgbClr val="660033"/>
-                </a:solidFill>
-              </a:rPr>
-              <a:t>3 </a:t>
-            </a:r>
-            <a:r>
-              <a:rPr lang="en-US" sz="4800" b="1" dirty="0">
-                <a:solidFill>
-                  <a:srgbClr val="660033"/>
-                </a:solidFill>
-              </a:rPr>
-              <a:t>)</a:t>
+              <a:t>( 3 )</a:t>
             </a:r>
             <a:endParaRPr lang="vi-VN" sz="4800" b="1" dirty="0">
               <a:solidFill>
@@ -5166,23 +5069,7 @@
                   <a:srgbClr val="660033"/>
                 </a:solidFill>
               </a:rPr>
-              <a:t>( </a:t>
-            </a:r>
-            <a:r>
-              <a:rPr lang="en-US" sz="4800" b="1" dirty="0">
-                <a:solidFill>
-                  <a:srgbClr val="660033"/>
-                </a:solidFill>
-              </a:rPr>
-              <a:t>3 </a:t>
-            </a:r>
-            <a:r>
-              <a:rPr lang="en-US" sz="4800" b="1" dirty="0">
-                <a:solidFill>
-                  <a:srgbClr val="660033"/>
-                </a:solidFill>
-              </a:rPr>
-              <a:t>)</a:t>
+              <a:t>( 3 )</a:t>
             </a:r>
             <a:endParaRPr lang="vi-VN" sz="4800" b="1" dirty="0">
               <a:solidFill>

--- a/宣道詩/(宣道詩80)信靠順服.pptx
+++ b/宣道詩/(宣道詩80)信靠順服.pptx
@@ -317,7 +317,7 @@
             <a:fld id="{A390BB82-1436-414E-953E-AA268D099EB7}" type="datetimeFigureOut">
               <a:rPr lang="zh-TW" altLang="en-US" smtClean="0"/>
               <a:pPr/>
-              <a:t>2021/6/16</a:t>
+              <a:t>2022/5/7</a:t>
             </a:fld>
             <a:endParaRPr lang="zh-TW" altLang="en-US"/>
           </a:p>
@@ -484,7 +484,7 @@
             <a:fld id="{A390BB82-1436-414E-953E-AA268D099EB7}" type="datetimeFigureOut">
               <a:rPr lang="zh-TW" altLang="en-US" smtClean="0"/>
               <a:pPr/>
-              <a:t>2021/6/16</a:t>
+              <a:t>2022/5/7</a:t>
             </a:fld>
             <a:endParaRPr lang="zh-TW" altLang="en-US"/>
           </a:p>
@@ -661,7 +661,7 @@
             <a:fld id="{A390BB82-1436-414E-953E-AA268D099EB7}" type="datetimeFigureOut">
               <a:rPr lang="zh-TW" altLang="en-US" smtClean="0"/>
               <a:pPr/>
-              <a:t>2021/6/16</a:t>
+              <a:t>2022/5/7</a:t>
             </a:fld>
             <a:endParaRPr lang="zh-TW" altLang="en-US"/>
           </a:p>
@@ -828,7 +828,7 @@
             <a:fld id="{A390BB82-1436-414E-953E-AA268D099EB7}" type="datetimeFigureOut">
               <a:rPr lang="zh-TW" altLang="en-US" smtClean="0"/>
               <a:pPr/>
-              <a:t>2021/6/16</a:t>
+              <a:t>2022/5/7</a:t>
             </a:fld>
             <a:endParaRPr lang="zh-TW" altLang="en-US"/>
           </a:p>
@@ -1071,7 +1071,7 @@
             <a:fld id="{A390BB82-1436-414E-953E-AA268D099EB7}" type="datetimeFigureOut">
               <a:rPr lang="zh-TW" altLang="en-US" smtClean="0"/>
               <a:pPr/>
-              <a:t>2021/6/16</a:t>
+              <a:t>2022/5/7</a:t>
             </a:fld>
             <a:endParaRPr lang="zh-TW" altLang="en-US"/>
           </a:p>
@@ -1356,7 +1356,7 @@
             <a:fld id="{A390BB82-1436-414E-953E-AA268D099EB7}" type="datetimeFigureOut">
               <a:rPr lang="zh-TW" altLang="en-US" smtClean="0"/>
               <a:pPr/>
-              <a:t>2021/6/16</a:t>
+              <a:t>2022/5/7</a:t>
             </a:fld>
             <a:endParaRPr lang="zh-TW" altLang="en-US"/>
           </a:p>
@@ -1775,7 +1775,7 @@
             <a:fld id="{A390BB82-1436-414E-953E-AA268D099EB7}" type="datetimeFigureOut">
               <a:rPr lang="zh-TW" altLang="en-US" smtClean="0"/>
               <a:pPr/>
-              <a:t>2021/6/16</a:t>
+              <a:t>2022/5/7</a:t>
             </a:fld>
             <a:endParaRPr lang="zh-TW" altLang="en-US"/>
           </a:p>
@@ -1890,7 +1890,7 @@
             <a:fld id="{A390BB82-1436-414E-953E-AA268D099EB7}" type="datetimeFigureOut">
               <a:rPr lang="zh-TW" altLang="en-US" smtClean="0"/>
               <a:pPr/>
-              <a:t>2021/6/16</a:t>
+              <a:t>2022/5/7</a:t>
             </a:fld>
             <a:endParaRPr lang="zh-TW" altLang="en-US"/>
           </a:p>
@@ -1982,7 +1982,7 @@
             <a:fld id="{A390BB82-1436-414E-953E-AA268D099EB7}" type="datetimeFigureOut">
               <a:rPr lang="zh-TW" altLang="en-US" smtClean="0"/>
               <a:pPr/>
-              <a:t>2021/6/16</a:t>
+              <a:t>2022/5/7</a:t>
             </a:fld>
             <a:endParaRPr lang="zh-TW" altLang="en-US"/>
           </a:p>
@@ -2256,7 +2256,7 @@
             <a:fld id="{A390BB82-1436-414E-953E-AA268D099EB7}" type="datetimeFigureOut">
               <a:rPr lang="zh-TW" altLang="en-US" smtClean="0"/>
               <a:pPr/>
-              <a:t>2021/6/16</a:t>
+              <a:t>2022/5/7</a:t>
             </a:fld>
             <a:endParaRPr lang="zh-TW" altLang="en-US"/>
           </a:p>
@@ -2510,7 +2510,7 @@
             <a:fld id="{A390BB82-1436-414E-953E-AA268D099EB7}" type="datetimeFigureOut">
               <a:rPr lang="zh-TW" altLang="en-US" smtClean="0"/>
               <a:pPr/>
-              <a:t>2021/6/16</a:t>
+              <a:t>2022/5/7</a:t>
             </a:fld>
             <a:endParaRPr lang="zh-TW" altLang="en-US"/>
           </a:p>
@@ -2725,7 +2725,7 @@
             <a:fld id="{A390BB82-1436-414E-953E-AA268D099EB7}" type="datetimeFigureOut">
               <a:rPr lang="zh-TW" altLang="en-US" smtClean="0"/>
               <a:pPr/>
-              <a:t>2021/6/16</a:t>
+              <a:t>2022/5/7</a:t>
             </a:fld>
             <a:endParaRPr lang="zh-TW" altLang="en-US"/>
           </a:p>
@@ -3516,7 +3516,23 @@
                   <a:srgbClr val="660033"/>
                 </a:solidFill>
               </a:rPr>
-              <a:t>( 4 )</a:t>
+              <a:t>( </a:t>
+            </a:r>
+            <a:r>
+              <a:rPr lang="en-US" sz="4800" b="1" dirty="0" smtClean="0">
+                <a:solidFill>
+                  <a:srgbClr val="660033"/>
+                </a:solidFill>
+              </a:rPr>
+              <a:t>4 </a:t>
+            </a:r>
+            <a:r>
+              <a:rPr lang="en-US" sz="4800" b="1" dirty="0">
+                <a:solidFill>
+                  <a:srgbClr val="660033"/>
+                </a:solidFill>
+              </a:rPr>
+              <a:t>/ 4 )</a:t>
             </a:r>
             <a:endParaRPr lang="vi-VN" sz="4800" b="1" dirty="0">
               <a:solidFill>
@@ -3659,7 +3675,7 @@
                   <a:srgbClr val="660033"/>
                 </a:solidFill>
               </a:rPr>
-              <a:t>( 4 )</a:t>
+              <a:t>( 4 / 4 )</a:t>
             </a:r>
             <a:endParaRPr lang="vi-VN" sz="4800" b="1" dirty="0">
               <a:solidFill>
@@ -3966,7 +3982,23 @@
                   <a:srgbClr val="660033"/>
                 </a:solidFill>
               </a:rPr>
-              <a:t>( 1 )</a:t>
+              <a:t>( </a:t>
+            </a:r>
+            <a:r>
+              <a:rPr lang="en-US" sz="4800" b="1" dirty="0" smtClean="0">
+                <a:solidFill>
+                  <a:srgbClr val="660033"/>
+                </a:solidFill>
+              </a:rPr>
+              <a:t>1 / 4 </a:t>
+            </a:r>
+            <a:r>
+              <a:rPr lang="en-US" sz="4800" b="1" dirty="0">
+                <a:solidFill>
+                  <a:srgbClr val="660033"/>
+                </a:solidFill>
+              </a:rPr>
+              <a:t>)</a:t>
             </a:r>
             <a:endParaRPr lang="vi-VN" sz="4800" b="1" dirty="0">
               <a:solidFill>
@@ -4129,7 +4161,7 @@
                   <a:srgbClr val="660033"/>
                 </a:solidFill>
               </a:rPr>
-              <a:t>( 1 )</a:t>
+              <a:t>( 1 / 4 )</a:t>
             </a:r>
             <a:endParaRPr lang="vi-VN" sz="4800" b="1" dirty="0">
               <a:solidFill>
@@ -4436,7 +4468,23 @@
                   <a:srgbClr val="660033"/>
                 </a:solidFill>
               </a:rPr>
-              <a:t>( 2 )</a:t>
+              <a:t>( </a:t>
+            </a:r>
+            <a:r>
+              <a:rPr lang="en-US" sz="4800" b="1" dirty="0" smtClean="0">
+                <a:solidFill>
+                  <a:srgbClr val="660033"/>
+                </a:solidFill>
+              </a:rPr>
+              <a:t>2 </a:t>
+            </a:r>
+            <a:r>
+              <a:rPr lang="en-US" sz="4800" b="1" dirty="0">
+                <a:solidFill>
+                  <a:srgbClr val="660033"/>
+                </a:solidFill>
+              </a:rPr>
+              <a:t>/ 4 )</a:t>
             </a:r>
             <a:endParaRPr lang="vi-VN" sz="4800" b="1" dirty="0">
               <a:solidFill>
@@ -4599,7 +4647,7 @@
                   <a:srgbClr val="660033"/>
                 </a:solidFill>
               </a:rPr>
-              <a:t>( 2 )</a:t>
+              <a:t>( 2 / 4 )</a:t>
             </a:r>
             <a:endParaRPr lang="vi-VN" sz="4800" b="1" dirty="0">
               <a:solidFill>
@@ -4906,7 +4954,23 @@
                   <a:srgbClr val="660033"/>
                 </a:solidFill>
               </a:rPr>
-              <a:t>( 3 )</a:t>
+              <a:t>( </a:t>
+            </a:r>
+            <a:r>
+              <a:rPr lang="en-US" sz="4800" b="1" dirty="0" smtClean="0">
+                <a:solidFill>
+                  <a:srgbClr val="660033"/>
+                </a:solidFill>
+              </a:rPr>
+              <a:t>3 </a:t>
+            </a:r>
+            <a:r>
+              <a:rPr lang="en-US" sz="4800" b="1" dirty="0">
+                <a:solidFill>
+                  <a:srgbClr val="660033"/>
+                </a:solidFill>
+              </a:rPr>
+              <a:t>/ 4 )</a:t>
             </a:r>
             <a:endParaRPr lang="vi-VN" sz="4800" b="1" dirty="0">
               <a:solidFill>
@@ -5069,7 +5133,7 @@
                   <a:srgbClr val="660033"/>
                 </a:solidFill>
               </a:rPr>
-              <a:t>( 3 )</a:t>
+              <a:t>( 3 / 4 )</a:t>
             </a:r>
             <a:endParaRPr lang="vi-VN" sz="4800" b="1" dirty="0">
               <a:solidFill>

--- a/宣道詩/(宣道詩80)信靠順服.pptx
+++ b/宣道詩/(宣道詩80)信靠順服.pptx
@@ -317,7 +317,7 @@
             <a:fld id="{A390BB82-1436-414E-953E-AA268D099EB7}" type="datetimeFigureOut">
               <a:rPr lang="zh-TW" altLang="en-US" smtClean="0"/>
               <a:pPr/>
-              <a:t>2022/5/7</a:t>
+              <a:t>2023/1/28</a:t>
             </a:fld>
             <a:endParaRPr lang="zh-TW" altLang="en-US"/>
           </a:p>
@@ -484,7 +484,7 @@
             <a:fld id="{A390BB82-1436-414E-953E-AA268D099EB7}" type="datetimeFigureOut">
               <a:rPr lang="zh-TW" altLang="en-US" smtClean="0"/>
               <a:pPr/>
-              <a:t>2022/5/7</a:t>
+              <a:t>2023/1/28</a:t>
             </a:fld>
             <a:endParaRPr lang="zh-TW" altLang="en-US"/>
           </a:p>
@@ -661,7 +661,7 @@
             <a:fld id="{A390BB82-1436-414E-953E-AA268D099EB7}" type="datetimeFigureOut">
               <a:rPr lang="zh-TW" altLang="en-US" smtClean="0"/>
               <a:pPr/>
-              <a:t>2022/5/7</a:t>
+              <a:t>2023/1/28</a:t>
             </a:fld>
             <a:endParaRPr lang="zh-TW" altLang="en-US"/>
           </a:p>
@@ -828,7 +828,7 @@
             <a:fld id="{A390BB82-1436-414E-953E-AA268D099EB7}" type="datetimeFigureOut">
               <a:rPr lang="zh-TW" altLang="en-US" smtClean="0"/>
               <a:pPr/>
-              <a:t>2022/5/7</a:t>
+              <a:t>2023/1/28</a:t>
             </a:fld>
             <a:endParaRPr lang="zh-TW" altLang="en-US"/>
           </a:p>
@@ -1071,7 +1071,7 @@
             <a:fld id="{A390BB82-1436-414E-953E-AA268D099EB7}" type="datetimeFigureOut">
               <a:rPr lang="zh-TW" altLang="en-US" smtClean="0"/>
               <a:pPr/>
-              <a:t>2022/5/7</a:t>
+              <a:t>2023/1/28</a:t>
             </a:fld>
             <a:endParaRPr lang="zh-TW" altLang="en-US"/>
           </a:p>
@@ -1356,7 +1356,7 @@
             <a:fld id="{A390BB82-1436-414E-953E-AA268D099EB7}" type="datetimeFigureOut">
               <a:rPr lang="zh-TW" altLang="en-US" smtClean="0"/>
               <a:pPr/>
-              <a:t>2022/5/7</a:t>
+              <a:t>2023/1/28</a:t>
             </a:fld>
             <a:endParaRPr lang="zh-TW" altLang="en-US"/>
           </a:p>
@@ -1775,7 +1775,7 @@
             <a:fld id="{A390BB82-1436-414E-953E-AA268D099EB7}" type="datetimeFigureOut">
               <a:rPr lang="zh-TW" altLang="en-US" smtClean="0"/>
               <a:pPr/>
-              <a:t>2022/5/7</a:t>
+              <a:t>2023/1/28</a:t>
             </a:fld>
             <a:endParaRPr lang="zh-TW" altLang="en-US"/>
           </a:p>
@@ -1890,7 +1890,7 @@
             <a:fld id="{A390BB82-1436-414E-953E-AA268D099EB7}" type="datetimeFigureOut">
               <a:rPr lang="zh-TW" altLang="en-US" smtClean="0"/>
               <a:pPr/>
-              <a:t>2022/5/7</a:t>
+              <a:t>2023/1/28</a:t>
             </a:fld>
             <a:endParaRPr lang="zh-TW" altLang="en-US"/>
           </a:p>
@@ -1982,7 +1982,7 @@
             <a:fld id="{A390BB82-1436-414E-953E-AA268D099EB7}" type="datetimeFigureOut">
               <a:rPr lang="zh-TW" altLang="en-US" smtClean="0"/>
               <a:pPr/>
-              <a:t>2022/5/7</a:t>
+              <a:t>2023/1/28</a:t>
             </a:fld>
             <a:endParaRPr lang="zh-TW" altLang="en-US"/>
           </a:p>
@@ -2256,7 +2256,7 @@
             <a:fld id="{A390BB82-1436-414E-953E-AA268D099EB7}" type="datetimeFigureOut">
               <a:rPr lang="zh-TW" altLang="en-US" smtClean="0"/>
               <a:pPr/>
-              <a:t>2022/5/7</a:t>
+              <a:t>2023/1/28</a:t>
             </a:fld>
             <a:endParaRPr lang="zh-TW" altLang="en-US"/>
           </a:p>
@@ -2510,7 +2510,7 @@
             <a:fld id="{A390BB82-1436-414E-953E-AA268D099EB7}" type="datetimeFigureOut">
               <a:rPr lang="zh-TW" altLang="en-US" smtClean="0"/>
               <a:pPr/>
-              <a:t>2022/5/7</a:t>
+              <a:t>2023/1/28</a:t>
             </a:fld>
             <a:endParaRPr lang="zh-TW" altLang="en-US"/>
           </a:p>
@@ -2725,7 +2725,7 @@
             <a:fld id="{A390BB82-1436-414E-953E-AA268D099EB7}" type="datetimeFigureOut">
               <a:rPr lang="zh-TW" altLang="en-US" smtClean="0"/>
               <a:pPr/>
-              <a:t>2022/5/7</a:t>
+              <a:t>2023/1/28</a:t>
             </a:fld>
             <a:endParaRPr lang="zh-TW" altLang="en-US"/>
           </a:p>
@@ -3496,7 +3496,7 @@
         <p:spPr>
           <a:xfrm>
             <a:off x="0" y="5253205"/>
-            <a:ext cx="12192000" cy="830997"/>
+            <a:ext cx="12192000" cy="707886"/>
           </a:xfrm>
           <a:prstGeom prst="rect">
             <a:avLst/>
@@ -3511,7 +3511,7 @@
           <a:p>
             <a:pPr algn="ctr"/>
             <a:r>
-              <a:rPr lang="en-US" sz="4800" b="1" dirty="0">
+              <a:rPr lang="en-US" sz="4000" b="1" dirty="0">
                 <a:solidFill>
                   <a:srgbClr val="660033"/>
                 </a:solidFill>
@@ -3519,7 +3519,7 @@
               <a:t>( </a:t>
             </a:r>
             <a:r>
-              <a:rPr lang="en-US" sz="4800" b="1" dirty="0" smtClean="0">
+              <a:rPr lang="en-US" sz="4000" b="1" dirty="0">
                 <a:solidFill>
                   <a:srgbClr val="660033"/>
                 </a:solidFill>
@@ -3527,14 +3527,14 @@
               <a:t>4 </a:t>
             </a:r>
             <a:r>
-              <a:rPr lang="en-US" sz="4800" b="1" dirty="0">
+              <a:rPr lang="en-US" sz="4000" b="1" dirty="0">
                 <a:solidFill>
                   <a:srgbClr val="660033"/>
                 </a:solidFill>
               </a:rPr>
               <a:t>/ 4 )</a:t>
             </a:r>
-            <a:endParaRPr lang="vi-VN" sz="4800" b="1" dirty="0">
+            <a:endParaRPr lang="vi-VN" sz="4000" b="1" dirty="0">
               <a:solidFill>
                 <a:srgbClr val="660033"/>
               </a:solidFill>
@@ -3655,7 +3655,7 @@
         <p:spPr>
           <a:xfrm>
             <a:off x="0" y="5253205"/>
-            <a:ext cx="12192000" cy="830997"/>
+            <a:ext cx="12192000" cy="707886"/>
           </a:xfrm>
           <a:prstGeom prst="rect">
             <a:avLst/>
@@ -3670,14 +3670,14 @@
           <a:p>
             <a:pPr algn="ctr"/>
             <a:r>
-              <a:rPr lang="en-US" sz="4800" b="1" dirty="0">
+              <a:rPr lang="en-US" sz="4000" b="1" dirty="0">
                 <a:solidFill>
                   <a:srgbClr val="660033"/>
                 </a:solidFill>
               </a:rPr>
               <a:t>( 4 / 4 )</a:t>
             </a:r>
-            <a:endParaRPr lang="vi-VN" sz="4800" b="1" dirty="0">
+            <a:endParaRPr lang="vi-VN" sz="4000" b="1" dirty="0">
               <a:solidFill>
                 <a:srgbClr val="660033"/>
               </a:solidFill>
@@ -3962,7 +3962,7 @@
         <p:spPr>
           <a:xfrm>
             <a:off x="0" y="5253205"/>
-            <a:ext cx="12192000" cy="830997"/>
+            <a:ext cx="12192000" cy="707886"/>
           </a:xfrm>
           <a:prstGeom prst="rect">
             <a:avLst/>
@@ -3977,7 +3977,7 @@
           <a:p>
             <a:pPr algn="ctr"/>
             <a:r>
-              <a:rPr lang="en-US" sz="4800" b="1" dirty="0">
+              <a:rPr lang="en-US" sz="4000" b="1" dirty="0">
                 <a:solidFill>
                   <a:srgbClr val="660033"/>
                 </a:solidFill>
@@ -3985,7 +3985,7 @@
               <a:t>( </a:t>
             </a:r>
             <a:r>
-              <a:rPr lang="en-US" sz="4800" b="1" dirty="0" smtClean="0">
+              <a:rPr lang="en-US" sz="4000" b="1" dirty="0" smtClean="0">
                 <a:solidFill>
                   <a:srgbClr val="660033"/>
                 </a:solidFill>
@@ -3993,14 +3993,14 @@
               <a:t>1 / 4 </a:t>
             </a:r>
             <a:r>
-              <a:rPr lang="en-US" sz="4800" b="1" dirty="0">
+              <a:rPr lang="en-US" sz="4000" b="1" dirty="0">
                 <a:solidFill>
                   <a:srgbClr val="660033"/>
                 </a:solidFill>
               </a:rPr>
               <a:t>)</a:t>
             </a:r>
-            <a:endParaRPr lang="vi-VN" sz="4800" b="1" dirty="0">
+            <a:endParaRPr lang="vi-VN" sz="4000" b="1" dirty="0">
               <a:solidFill>
                 <a:srgbClr val="660033"/>
               </a:solidFill>
@@ -4141,7 +4141,7 @@
         <p:spPr>
           <a:xfrm>
             <a:off x="0" y="5253205"/>
-            <a:ext cx="12192000" cy="830997"/>
+            <a:ext cx="12192000" cy="707886"/>
           </a:xfrm>
           <a:prstGeom prst="rect">
             <a:avLst/>
@@ -4156,14 +4156,14 @@
           <a:p>
             <a:pPr algn="ctr"/>
             <a:r>
-              <a:rPr lang="en-US" sz="4800" b="1" dirty="0">
+              <a:rPr lang="en-US" sz="4000" b="1" dirty="0">
                 <a:solidFill>
                   <a:srgbClr val="660033"/>
                 </a:solidFill>
               </a:rPr>
               <a:t>( 1 / 4 )</a:t>
             </a:r>
-            <a:endParaRPr lang="vi-VN" sz="4800" b="1" dirty="0">
+            <a:endParaRPr lang="vi-VN" sz="4000" b="1" dirty="0">
               <a:solidFill>
                 <a:srgbClr val="660033"/>
               </a:solidFill>
@@ -4448,7 +4448,7 @@
         <p:spPr>
           <a:xfrm>
             <a:off x="0" y="5253205"/>
-            <a:ext cx="12192000" cy="830997"/>
+            <a:ext cx="12192000" cy="707886"/>
           </a:xfrm>
           <a:prstGeom prst="rect">
             <a:avLst/>
@@ -4463,7 +4463,7 @@
           <a:p>
             <a:pPr algn="ctr"/>
             <a:r>
-              <a:rPr lang="en-US" sz="4800" b="1" dirty="0">
+              <a:rPr lang="en-US" sz="4000" b="1" dirty="0">
                 <a:solidFill>
                   <a:srgbClr val="660033"/>
                 </a:solidFill>
@@ -4471,7 +4471,7 @@
               <a:t>( </a:t>
             </a:r>
             <a:r>
-              <a:rPr lang="en-US" sz="4800" b="1" dirty="0" smtClean="0">
+              <a:rPr lang="en-US" sz="4000" b="1" dirty="0">
                 <a:solidFill>
                   <a:srgbClr val="660033"/>
                 </a:solidFill>
@@ -4479,14 +4479,14 @@
               <a:t>2 </a:t>
             </a:r>
             <a:r>
-              <a:rPr lang="en-US" sz="4800" b="1" dirty="0">
+              <a:rPr lang="en-US" sz="4000" b="1" dirty="0">
                 <a:solidFill>
                   <a:srgbClr val="660033"/>
                 </a:solidFill>
               </a:rPr>
               <a:t>/ 4 )</a:t>
             </a:r>
-            <a:endParaRPr lang="vi-VN" sz="4800" b="1" dirty="0">
+            <a:endParaRPr lang="vi-VN" sz="4000" b="1" dirty="0">
               <a:solidFill>
                 <a:srgbClr val="660033"/>
               </a:solidFill>
@@ -4627,7 +4627,7 @@
         <p:spPr>
           <a:xfrm>
             <a:off x="0" y="5253205"/>
-            <a:ext cx="12192000" cy="830997"/>
+            <a:ext cx="12192000" cy="707886"/>
           </a:xfrm>
           <a:prstGeom prst="rect">
             <a:avLst/>
@@ -4642,14 +4642,14 @@
           <a:p>
             <a:pPr algn="ctr"/>
             <a:r>
-              <a:rPr lang="en-US" sz="4800" b="1" dirty="0">
+              <a:rPr lang="en-US" sz="4000" b="1" dirty="0">
                 <a:solidFill>
                   <a:srgbClr val="660033"/>
                 </a:solidFill>
               </a:rPr>
               <a:t>( 2 / 4 )</a:t>
             </a:r>
-            <a:endParaRPr lang="vi-VN" sz="4800" b="1" dirty="0">
+            <a:endParaRPr lang="vi-VN" sz="4000" b="1" dirty="0">
               <a:solidFill>
                 <a:srgbClr val="660033"/>
               </a:solidFill>
@@ -4934,7 +4934,7 @@
         <p:spPr>
           <a:xfrm>
             <a:off x="0" y="5253205"/>
-            <a:ext cx="12192000" cy="830997"/>
+            <a:ext cx="12192000" cy="707886"/>
           </a:xfrm>
           <a:prstGeom prst="rect">
             <a:avLst/>
@@ -4949,7 +4949,7 @@
           <a:p>
             <a:pPr algn="ctr"/>
             <a:r>
-              <a:rPr lang="en-US" sz="4800" b="1" dirty="0">
+              <a:rPr lang="en-US" sz="4000" b="1" dirty="0">
                 <a:solidFill>
                   <a:srgbClr val="660033"/>
                 </a:solidFill>
@@ -4957,7 +4957,7 @@
               <a:t>( </a:t>
             </a:r>
             <a:r>
-              <a:rPr lang="en-US" sz="4800" b="1" dirty="0" smtClean="0">
+              <a:rPr lang="en-US" sz="4000" b="1" dirty="0">
                 <a:solidFill>
                   <a:srgbClr val="660033"/>
                 </a:solidFill>
@@ -4965,14 +4965,14 @@
               <a:t>3 </a:t>
             </a:r>
             <a:r>
-              <a:rPr lang="en-US" sz="4800" b="1" dirty="0">
+              <a:rPr lang="en-US" sz="4000" b="1" dirty="0">
                 <a:solidFill>
                   <a:srgbClr val="660033"/>
                 </a:solidFill>
               </a:rPr>
               <a:t>/ 4 )</a:t>
             </a:r>
-            <a:endParaRPr lang="vi-VN" sz="4800" b="1" dirty="0">
+            <a:endParaRPr lang="vi-VN" sz="4000" b="1" dirty="0">
               <a:solidFill>
                 <a:srgbClr val="660033"/>
               </a:solidFill>
@@ -5113,7 +5113,7 @@
         <p:spPr>
           <a:xfrm>
             <a:off x="0" y="5253205"/>
-            <a:ext cx="12192000" cy="830997"/>
+            <a:ext cx="12192000" cy="707886"/>
           </a:xfrm>
           <a:prstGeom prst="rect">
             <a:avLst/>
@@ -5128,14 +5128,14 @@
           <a:p>
             <a:pPr algn="ctr"/>
             <a:r>
-              <a:rPr lang="en-US" sz="4800" b="1" dirty="0">
+              <a:rPr lang="en-US" sz="4000" b="1" dirty="0">
                 <a:solidFill>
                   <a:srgbClr val="660033"/>
                 </a:solidFill>
               </a:rPr>
               <a:t>( 3 / 4 )</a:t>
             </a:r>
-            <a:endParaRPr lang="vi-VN" sz="4800" b="1" dirty="0">
+            <a:endParaRPr lang="vi-VN" sz="4000" b="1" dirty="0">
               <a:solidFill>
                 <a:srgbClr val="660033"/>
               </a:solidFill>
